--- a/シーケンス図.pptx
+++ b/シーケンス図.pptx
@@ -10,6 +10,7 @@
     <p:sldId id="258" r:id="rId4"/>
     <p:sldId id="259" r:id="rId5"/>
     <p:sldId id="260" r:id="rId6"/>
+    <p:sldId id="261" r:id="rId7"/>
   </p:sldIdLst>
   <p:sldSz cx="12192000" cy="6858000"/>
   <p:notesSz cx="6858000" cy="9144000"/>
@@ -263,7 +264,7 @@
           <a:p>
             <a:fld id="{EF41938D-32B5-4258-B499-5AFB40A9B140}" type="datetimeFigureOut">
               <a:rPr kumimoji="1" lang="ja-JP" altLang="en-US" smtClean="0"/>
-              <a:t>2021/12/13</a:t>
+              <a:t>2021/12/14</a:t>
             </a:fld>
             <a:endParaRPr kumimoji="1" lang="ja-JP" altLang="en-US"/>
           </a:p>
@@ -493,7 +494,7 @@
           <a:p>
             <a:fld id="{EF41938D-32B5-4258-B499-5AFB40A9B140}" type="datetimeFigureOut">
               <a:rPr kumimoji="1" lang="ja-JP" altLang="en-US" smtClean="0"/>
-              <a:t>2021/12/13</a:t>
+              <a:t>2021/12/14</a:t>
             </a:fld>
             <a:endParaRPr kumimoji="1" lang="ja-JP" altLang="en-US"/>
           </a:p>
@@ -733,7 +734,7 @@
           <a:p>
             <a:fld id="{EF41938D-32B5-4258-B499-5AFB40A9B140}" type="datetimeFigureOut">
               <a:rPr kumimoji="1" lang="ja-JP" altLang="en-US" smtClean="0"/>
-              <a:t>2021/12/13</a:t>
+              <a:t>2021/12/14</a:t>
             </a:fld>
             <a:endParaRPr kumimoji="1" lang="ja-JP" altLang="en-US"/>
           </a:p>
@@ -963,7 +964,7 @@
           <a:p>
             <a:fld id="{EF41938D-32B5-4258-B499-5AFB40A9B140}" type="datetimeFigureOut">
               <a:rPr kumimoji="1" lang="ja-JP" altLang="en-US" smtClean="0"/>
-              <a:t>2021/12/13</a:t>
+              <a:t>2021/12/14</a:t>
             </a:fld>
             <a:endParaRPr kumimoji="1" lang="ja-JP" altLang="en-US"/>
           </a:p>
@@ -1238,7 +1239,7 @@
           <a:p>
             <a:fld id="{EF41938D-32B5-4258-B499-5AFB40A9B140}" type="datetimeFigureOut">
               <a:rPr kumimoji="1" lang="ja-JP" altLang="en-US" smtClean="0"/>
-              <a:t>2021/12/13</a:t>
+              <a:t>2021/12/14</a:t>
             </a:fld>
             <a:endParaRPr kumimoji="1" lang="ja-JP" altLang="en-US"/>
           </a:p>
@@ -1567,7 +1568,7 @@
           <a:p>
             <a:fld id="{EF41938D-32B5-4258-B499-5AFB40A9B140}" type="datetimeFigureOut">
               <a:rPr kumimoji="1" lang="ja-JP" altLang="en-US" smtClean="0"/>
-              <a:t>2021/12/13</a:t>
+              <a:t>2021/12/14</a:t>
             </a:fld>
             <a:endParaRPr kumimoji="1" lang="ja-JP" altLang="en-US"/>
           </a:p>
@@ -2043,7 +2044,7 @@
           <a:p>
             <a:fld id="{EF41938D-32B5-4258-B499-5AFB40A9B140}" type="datetimeFigureOut">
               <a:rPr kumimoji="1" lang="ja-JP" altLang="en-US" smtClean="0"/>
-              <a:t>2021/12/13</a:t>
+              <a:t>2021/12/14</a:t>
             </a:fld>
             <a:endParaRPr kumimoji="1" lang="ja-JP" altLang="en-US"/>
           </a:p>
@@ -2184,7 +2185,7 @@
           <a:p>
             <a:fld id="{EF41938D-32B5-4258-B499-5AFB40A9B140}" type="datetimeFigureOut">
               <a:rPr kumimoji="1" lang="ja-JP" altLang="en-US" smtClean="0"/>
-              <a:t>2021/12/13</a:t>
+              <a:t>2021/12/14</a:t>
             </a:fld>
             <a:endParaRPr kumimoji="1" lang="ja-JP" altLang="en-US"/>
           </a:p>
@@ -2297,7 +2298,7 @@
           <a:p>
             <a:fld id="{EF41938D-32B5-4258-B499-5AFB40A9B140}" type="datetimeFigureOut">
               <a:rPr kumimoji="1" lang="ja-JP" altLang="en-US" smtClean="0"/>
-              <a:t>2021/12/13</a:t>
+              <a:t>2021/12/14</a:t>
             </a:fld>
             <a:endParaRPr kumimoji="1" lang="ja-JP" altLang="en-US"/>
           </a:p>
@@ -2640,7 +2641,7 @@
           <a:p>
             <a:fld id="{EF41938D-32B5-4258-B499-5AFB40A9B140}" type="datetimeFigureOut">
               <a:rPr kumimoji="1" lang="ja-JP" altLang="en-US" smtClean="0"/>
-              <a:t>2021/12/13</a:t>
+              <a:t>2021/12/14</a:t>
             </a:fld>
             <a:endParaRPr kumimoji="1" lang="ja-JP" altLang="en-US"/>
           </a:p>
@@ -2928,7 +2929,7 @@
           <a:p>
             <a:fld id="{EF41938D-32B5-4258-B499-5AFB40A9B140}" type="datetimeFigureOut">
               <a:rPr kumimoji="1" lang="ja-JP" altLang="en-US" smtClean="0"/>
-              <a:t>2021/12/13</a:t>
+              <a:t>2021/12/14</a:t>
             </a:fld>
             <a:endParaRPr kumimoji="1" lang="ja-JP" altLang="en-US"/>
           </a:p>
@@ -3201,7 +3202,7 @@
           <a:p>
             <a:fld id="{EF41938D-32B5-4258-B499-5AFB40A9B140}" type="datetimeFigureOut">
               <a:rPr kumimoji="1" lang="ja-JP" altLang="en-US" smtClean="0"/>
-              <a:t>2021/12/13</a:t>
+              <a:t>2021/12/14</a:t>
             </a:fld>
             <a:endParaRPr kumimoji="1" lang="ja-JP" altLang="en-US"/>
           </a:p>
@@ -16385,6 +16386,2721 @@
 </p:sld>
 </file>
 
+<file path=ppt/slides/slide6.xml><?xml version="1.0" encoding="utf-8"?>
+<p:sld xmlns:a="http://schemas.openxmlformats.org/drawingml/2006/main" xmlns:r="http://schemas.openxmlformats.org/officeDocument/2006/relationships" xmlns:p="http://schemas.openxmlformats.org/presentationml/2006/main">
+  <p:cSld>
+    <p:spTree>
+      <p:nvGrpSpPr>
+        <p:cNvPr id="1" name=""/>
+        <p:cNvGrpSpPr/>
+        <p:nvPr/>
+      </p:nvGrpSpPr>
+      <p:grpSpPr>
+        <a:xfrm>
+          <a:off x="0" y="0"/>
+          <a:ext cx="0" cy="0"/>
+          <a:chOff x="0" y="0"/>
+          <a:chExt cx="0" cy="0"/>
+        </a:xfrm>
+      </p:grpSpPr>
+      <p:cxnSp>
+        <p:nvCxnSpPr>
+          <p:cNvPr id="5" name="直線コネクタ 4">
+            <a:extLst>
+              <a:ext uri="{FF2B5EF4-FFF2-40B4-BE49-F238E27FC236}">
+                <a16:creationId xmlns:a16="http://schemas.microsoft.com/office/drawing/2014/main" id="{646DEFE9-511D-49D3-BDF5-8FD18BFE3D23}"/>
+              </a:ext>
+            </a:extLst>
+          </p:cNvPr>
+          <p:cNvCxnSpPr>
+            <a:cxnSpLocks/>
+          </p:cNvCxnSpPr>
+          <p:nvPr/>
+        </p:nvCxnSpPr>
+        <p:spPr>
+          <a:xfrm>
+            <a:off x="111904" y="1338776"/>
+            <a:ext cx="0" cy="5341427"/>
+          </a:xfrm>
+          <a:prstGeom prst="line">
+            <a:avLst/>
+          </a:prstGeom>
+          <a:ln>
+            <a:solidFill>
+              <a:schemeClr val="tx1"/>
+            </a:solidFill>
+          </a:ln>
+        </p:spPr>
+        <p:style>
+          <a:lnRef idx="1">
+            <a:schemeClr val="accent1"/>
+          </a:lnRef>
+          <a:fillRef idx="0">
+            <a:schemeClr val="accent1"/>
+          </a:fillRef>
+          <a:effectRef idx="0">
+            <a:schemeClr val="accent1"/>
+          </a:effectRef>
+          <a:fontRef idx="minor">
+            <a:schemeClr val="tx1"/>
+          </a:fontRef>
+        </p:style>
+      </p:cxnSp>
+      <p:cxnSp>
+        <p:nvCxnSpPr>
+          <p:cNvPr id="6" name="直線コネクタ 5">
+            <a:extLst>
+              <a:ext uri="{FF2B5EF4-FFF2-40B4-BE49-F238E27FC236}">
+                <a16:creationId xmlns:a16="http://schemas.microsoft.com/office/drawing/2014/main" id="{C93A870E-452E-4BC1-9CE9-2E71BB9B2CB9}"/>
+              </a:ext>
+            </a:extLst>
+          </p:cNvPr>
+          <p:cNvCxnSpPr>
+            <a:cxnSpLocks/>
+          </p:cNvCxnSpPr>
+          <p:nvPr/>
+        </p:nvCxnSpPr>
+        <p:spPr>
+          <a:xfrm>
+            <a:off x="4031967" y="1349855"/>
+            <a:ext cx="0" cy="5431971"/>
+          </a:xfrm>
+          <a:prstGeom prst="line">
+            <a:avLst/>
+          </a:prstGeom>
+          <a:ln>
+            <a:solidFill>
+              <a:schemeClr val="tx1"/>
+            </a:solidFill>
+          </a:ln>
+        </p:spPr>
+        <p:style>
+          <a:lnRef idx="1">
+            <a:schemeClr val="accent1"/>
+          </a:lnRef>
+          <a:fillRef idx="0">
+            <a:schemeClr val="accent1"/>
+          </a:fillRef>
+          <a:effectRef idx="0">
+            <a:schemeClr val="accent1"/>
+          </a:effectRef>
+          <a:fontRef idx="minor">
+            <a:schemeClr val="tx1"/>
+          </a:fontRef>
+        </p:style>
+      </p:cxnSp>
+      <p:cxnSp>
+        <p:nvCxnSpPr>
+          <p:cNvPr id="7" name="直線コネクタ 6">
+            <a:extLst>
+              <a:ext uri="{FF2B5EF4-FFF2-40B4-BE49-F238E27FC236}">
+                <a16:creationId xmlns:a16="http://schemas.microsoft.com/office/drawing/2014/main" id="{4CD05F5B-86C2-4DEE-8A60-7AC3790A1286}"/>
+              </a:ext>
+            </a:extLst>
+          </p:cNvPr>
+          <p:cNvCxnSpPr>
+            <a:cxnSpLocks/>
+          </p:cNvCxnSpPr>
+          <p:nvPr/>
+        </p:nvCxnSpPr>
+        <p:spPr>
+          <a:xfrm>
+            <a:off x="7938580" y="1349855"/>
+            <a:ext cx="0" cy="5336171"/>
+          </a:xfrm>
+          <a:prstGeom prst="line">
+            <a:avLst/>
+          </a:prstGeom>
+          <a:ln>
+            <a:solidFill>
+              <a:schemeClr val="tx1"/>
+            </a:solidFill>
+          </a:ln>
+        </p:spPr>
+        <p:style>
+          <a:lnRef idx="1">
+            <a:schemeClr val="accent1"/>
+          </a:lnRef>
+          <a:fillRef idx="0">
+            <a:schemeClr val="accent1"/>
+          </a:fillRef>
+          <a:effectRef idx="0">
+            <a:schemeClr val="accent1"/>
+          </a:effectRef>
+          <a:fontRef idx="minor">
+            <a:schemeClr val="tx1"/>
+          </a:fontRef>
+        </p:style>
+      </p:cxnSp>
+      <p:cxnSp>
+        <p:nvCxnSpPr>
+          <p:cNvPr id="8" name="直線コネクタ 7">
+            <a:extLst>
+              <a:ext uri="{FF2B5EF4-FFF2-40B4-BE49-F238E27FC236}">
+                <a16:creationId xmlns:a16="http://schemas.microsoft.com/office/drawing/2014/main" id="{2CCE945E-AF46-4B70-8518-176E360A3504}"/>
+              </a:ext>
+            </a:extLst>
+          </p:cNvPr>
+          <p:cNvCxnSpPr>
+            <a:cxnSpLocks/>
+          </p:cNvCxnSpPr>
+          <p:nvPr/>
+        </p:nvCxnSpPr>
+        <p:spPr>
+          <a:xfrm>
+            <a:off x="11859670" y="1349855"/>
+            <a:ext cx="0" cy="5330348"/>
+          </a:xfrm>
+          <a:prstGeom prst="line">
+            <a:avLst/>
+          </a:prstGeom>
+          <a:ln>
+            <a:solidFill>
+              <a:schemeClr val="tx1"/>
+            </a:solidFill>
+          </a:ln>
+        </p:spPr>
+        <p:style>
+          <a:lnRef idx="1">
+            <a:schemeClr val="accent1"/>
+          </a:lnRef>
+          <a:fillRef idx="0">
+            <a:schemeClr val="accent1"/>
+          </a:fillRef>
+          <a:effectRef idx="0">
+            <a:schemeClr val="accent1"/>
+          </a:effectRef>
+          <a:fontRef idx="minor">
+            <a:schemeClr val="tx1"/>
+          </a:fontRef>
+        </p:style>
+      </p:cxnSp>
+      <p:sp>
+        <p:nvSpPr>
+          <p:cNvPr id="9" name="正方形/長方形 8">
+            <a:extLst>
+              <a:ext uri="{FF2B5EF4-FFF2-40B4-BE49-F238E27FC236}">
+                <a16:creationId xmlns:a16="http://schemas.microsoft.com/office/drawing/2014/main" id="{6E8A0EE5-DF30-4A8E-8732-8CA714E60F4F}"/>
+              </a:ext>
+            </a:extLst>
+          </p:cNvPr>
+          <p:cNvSpPr/>
+          <p:nvPr/>
+        </p:nvSpPr>
+        <p:spPr>
+          <a:xfrm>
+            <a:off x="15767" y="277800"/>
+            <a:ext cx="1135116" cy="1072055"/>
+          </a:xfrm>
+          <a:prstGeom prst="rect">
+            <a:avLst/>
+          </a:prstGeom>
+          <a:solidFill>
+            <a:schemeClr val="bg1"/>
+          </a:solidFill>
+          <a:ln>
+            <a:solidFill>
+              <a:schemeClr val="tx1"/>
+            </a:solidFill>
+          </a:ln>
+        </p:spPr>
+        <p:style>
+          <a:lnRef idx="2">
+            <a:schemeClr val="accent1">
+              <a:shade val="50000"/>
+            </a:schemeClr>
+          </a:lnRef>
+          <a:fillRef idx="1">
+            <a:schemeClr val="accent1"/>
+          </a:fillRef>
+          <a:effectRef idx="0">
+            <a:schemeClr val="accent1"/>
+          </a:effectRef>
+          <a:fontRef idx="minor">
+            <a:schemeClr val="lt1"/>
+          </a:fontRef>
+        </p:style>
+        <p:txBody>
+          <a:bodyPr rtlCol="0" anchor="ctr"/>
+          <a:lstStyle/>
+          <a:p>
+            <a:r>
+              <a:rPr kumimoji="1" lang="ja-JP" altLang="en-US" sz="1000" dirty="0">
+                <a:solidFill>
+                  <a:sysClr val="windowText" lastClr="000000"/>
+                </a:solidFill>
+              </a:rPr>
+              <a:t>クライアント</a:t>
+            </a:r>
+            <a:endParaRPr kumimoji="1" lang="en-US" altLang="ja-JP" sz="1000" dirty="0">
+              <a:solidFill>
+                <a:sysClr val="windowText" lastClr="000000"/>
+              </a:solidFill>
+            </a:endParaRPr>
+          </a:p>
+          <a:p>
+            <a:r>
+              <a:rPr kumimoji="1" lang="en-US" altLang="ja-JP" sz="1000" dirty="0">
+                <a:solidFill>
+                  <a:sysClr val="windowText" lastClr="000000"/>
+                </a:solidFill>
+              </a:rPr>
+              <a:t>61.211.224.11</a:t>
+            </a:r>
+            <a:endParaRPr kumimoji="1" lang="ja-JP" altLang="en-US" sz="1000" dirty="0">
+              <a:solidFill>
+                <a:sysClr val="windowText" lastClr="000000"/>
+              </a:solidFill>
+            </a:endParaRPr>
+          </a:p>
+        </p:txBody>
+      </p:sp>
+      <p:sp>
+        <p:nvSpPr>
+          <p:cNvPr id="10" name="正方形/長方形 9">
+            <a:extLst>
+              <a:ext uri="{FF2B5EF4-FFF2-40B4-BE49-F238E27FC236}">
+                <a16:creationId xmlns:a16="http://schemas.microsoft.com/office/drawing/2014/main" id="{8E5C1525-F33A-46BE-9FC0-4CD461911FCE}"/>
+              </a:ext>
+            </a:extLst>
+          </p:cNvPr>
+          <p:cNvSpPr/>
+          <p:nvPr/>
+        </p:nvSpPr>
+        <p:spPr>
+          <a:xfrm>
+            <a:off x="2010104" y="277800"/>
+            <a:ext cx="2622330" cy="1066799"/>
+          </a:xfrm>
+          <a:prstGeom prst="rect">
+            <a:avLst/>
+          </a:prstGeom>
+          <a:solidFill>
+            <a:schemeClr val="bg1"/>
+          </a:solidFill>
+          <a:ln>
+            <a:solidFill>
+              <a:schemeClr val="tx1"/>
+            </a:solidFill>
+          </a:ln>
+        </p:spPr>
+        <p:style>
+          <a:lnRef idx="2">
+            <a:schemeClr val="accent1">
+              <a:shade val="50000"/>
+            </a:schemeClr>
+          </a:lnRef>
+          <a:fillRef idx="1">
+            <a:schemeClr val="accent1"/>
+          </a:fillRef>
+          <a:effectRef idx="0">
+            <a:schemeClr val="accent1"/>
+          </a:effectRef>
+          <a:fontRef idx="minor">
+            <a:schemeClr val="lt1"/>
+          </a:fontRef>
+        </p:style>
+        <p:txBody>
+          <a:bodyPr rtlCol="0" anchor="ctr"/>
+          <a:lstStyle/>
+          <a:p>
+            <a:r>
+              <a:rPr kumimoji="1" lang="en-US" altLang="ja-JP" sz="1000" b="1" dirty="0">
+                <a:solidFill>
+                  <a:sysClr val="windowText" lastClr="000000"/>
+                </a:solidFill>
+              </a:rPr>
+              <a:t>reverse-proxy</a:t>
+            </a:r>
+          </a:p>
+          <a:p>
+            <a:r>
+              <a:rPr kumimoji="1" lang="en-US" altLang="ja-JP" sz="1000" dirty="0">
+                <a:solidFill>
+                  <a:sysClr val="windowText" lastClr="000000"/>
+                </a:solidFill>
+              </a:rPr>
+              <a:t>"Gateway": "172.24.0.1",</a:t>
+            </a:r>
+          </a:p>
+          <a:p>
+            <a:r>
+              <a:rPr kumimoji="1" lang="en-US" altLang="ja-JP" sz="1000" dirty="0">
+                <a:solidFill>
+                  <a:sysClr val="windowText" lastClr="000000"/>
+                </a:solidFill>
+              </a:rPr>
+              <a:t>"</a:t>
+            </a:r>
+            <a:r>
+              <a:rPr kumimoji="1" lang="en-US" altLang="ja-JP" sz="1000" dirty="0" err="1">
+                <a:solidFill>
+                  <a:sysClr val="windowText" lastClr="000000"/>
+                </a:solidFill>
+              </a:rPr>
+              <a:t>IPAddress</a:t>
+            </a:r>
+            <a:r>
+              <a:rPr kumimoji="1" lang="en-US" altLang="ja-JP" sz="1000" dirty="0">
+                <a:solidFill>
+                  <a:sysClr val="windowText" lastClr="000000"/>
+                </a:solidFill>
+              </a:rPr>
+              <a:t>": "172.24.0.2"</a:t>
+            </a:r>
+          </a:p>
+          <a:p>
+            <a:r>
+              <a:rPr kumimoji="1" lang="en-US" altLang="ja-JP" sz="1000" dirty="0">
+                <a:solidFill>
+                  <a:sysClr val="windowText" lastClr="000000"/>
+                </a:solidFill>
+              </a:rPr>
+              <a:t>proxy_set_header Host $host</a:t>
+            </a:r>
+          </a:p>
+          <a:p>
+            <a:r>
+              <a:rPr kumimoji="1" lang="en-US" altLang="ja-JP" sz="1000" strike="sngStrike" dirty="0" err="1">
+                <a:solidFill>
+                  <a:sysClr val="windowText" lastClr="000000"/>
+                </a:solidFill>
+              </a:rPr>
+              <a:t>proxy_redirect</a:t>
+            </a:r>
+            <a:endParaRPr kumimoji="1" lang="en-US" altLang="ja-JP" sz="1000" strike="sngStrike" dirty="0">
+              <a:solidFill>
+                <a:sysClr val="windowText" lastClr="000000"/>
+              </a:solidFill>
+            </a:endParaRPr>
+          </a:p>
+          <a:p>
+            <a:r>
+              <a:rPr kumimoji="1" lang="en-US" altLang="ja-JP" sz="1000" strike="sngStrike" dirty="0" err="1">
+                <a:solidFill>
+                  <a:sysClr val="windowText" lastClr="000000"/>
+                </a:solidFill>
+              </a:rPr>
+              <a:t>port_in_redirect</a:t>
+            </a:r>
+            <a:endParaRPr kumimoji="1" lang="ja-JP" altLang="en-US" sz="1000" strike="sngStrike" dirty="0">
+              <a:solidFill>
+                <a:sysClr val="windowText" lastClr="000000"/>
+              </a:solidFill>
+            </a:endParaRPr>
+          </a:p>
+        </p:txBody>
+      </p:sp>
+      <p:sp>
+        <p:nvSpPr>
+          <p:cNvPr id="13" name="正方形/長方形 12">
+            <a:extLst>
+              <a:ext uri="{FF2B5EF4-FFF2-40B4-BE49-F238E27FC236}">
+                <a16:creationId xmlns:a16="http://schemas.microsoft.com/office/drawing/2014/main" id="{9522DCB4-3A74-4622-B06F-F7283CBFB527}"/>
+              </a:ext>
+            </a:extLst>
+          </p:cNvPr>
+          <p:cNvSpPr/>
+          <p:nvPr/>
+        </p:nvSpPr>
+        <p:spPr>
+          <a:xfrm>
+            <a:off x="5985714" y="271977"/>
+            <a:ext cx="2622330" cy="1066799"/>
+          </a:xfrm>
+          <a:prstGeom prst="rect">
+            <a:avLst/>
+          </a:prstGeom>
+          <a:solidFill>
+            <a:schemeClr val="bg1"/>
+          </a:solidFill>
+          <a:ln>
+            <a:solidFill>
+              <a:schemeClr val="tx1"/>
+            </a:solidFill>
+          </a:ln>
+        </p:spPr>
+        <p:style>
+          <a:lnRef idx="2">
+            <a:schemeClr val="accent1">
+              <a:shade val="50000"/>
+            </a:schemeClr>
+          </a:lnRef>
+          <a:fillRef idx="1">
+            <a:schemeClr val="accent1"/>
+          </a:fillRef>
+          <a:effectRef idx="0">
+            <a:schemeClr val="accent1"/>
+          </a:effectRef>
+          <a:fontRef idx="minor">
+            <a:schemeClr val="lt1"/>
+          </a:fontRef>
+        </p:style>
+        <p:txBody>
+          <a:bodyPr rtlCol="0" anchor="ctr"/>
+          <a:lstStyle/>
+          <a:p>
+            <a:r>
+              <a:rPr lang="en-US" altLang="ja-JP" sz="1000" b="1" dirty="0" err="1">
+                <a:solidFill>
+                  <a:sysClr val="windowText" lastClr="000000"/>
+                </a:solidFill>
+              </a:rPr>
+              <a:t>nginx_test</a:t>
+            </a:r>
+            <a:endParaRPr kumimoji="1" lang="en-US" altLang="ja-JP" sz="1000" b="1" dirty="0">
+              <a:solidFill>
+                <a:sysClr val="windowText" lastClr="000000"/>
+              </a:solidFill>
+            </a:endParaRPr>
+          </a:p>
+          <a:p>
+            <a:r>
+              <a:rPr kumimoji="1" lang="en-US" altLang="ja-JP" sz="1000" dirty="0">
+                <a:solidFill>
+                  <a:sysClr val="windowText" lastClr="000000"/>
+                </a:solidFill>
+              </a:rPr>
+              <a:t>"Gateway": "172.22.0.1",</a:t>
+            </a:r>
+          </a:p>
+          <a:p>
+            <a:r>
+              <a:rPr kumimoji="1" lang="en-US" altLang="ja-JP" sz="1000" dirty="0">
+                <a:solidFill>
+                  <a:sysClr val="windowText" lastClr="000000"/>
+                </a:solidFill>
+              </a:rPr>
+              <a:t>"</a:t>
+            </a:r>
+            <a:r>
+              <a:rPr kumimoji="1" lang="en-US" altLang="ja-JP" sz="1000" dirty="0" err="1">
+                <a:solidFill>
+                  <a:sysClr val="windowText" lastClr="000000"/>
+                </a:solidFill>
+              </a:rPr>
+              <a:t>IPAddress</a:t>
+            </a:r>
+            <a:r>
+              <a:rPr kumimoji="1" lang="en-US" altLang="ja-JP" sz="1000" dirty="0">
+                <a:solidFill>
+                  <a:sysClr val="windowText" lastClr="000000"/>
+                </a:solidFill>
+              </a:rPr>
+              <a:t>": "172.22.0.3"</a:t>
+            </a:r>
+          </a:p>
+          <a:p>
+            <a:r>
+              <a:rPr kumimoji="1" lang="en-US" altLang="ja-JP" sz="1000" dirty="0">
+                <a:solidFill>
+                  <a:sysClr val="windowText" lastClr="000000"/>
+                </a:solidFill>
+              </a:rPr>
+              <a:t>proxy_set_header Host $host</a:t>
+            </a:r>
+          </a:p>
+          <a:p>
+            <a:r>
+              <a:rPr kumimoji="1" lang="en-US" altLang="ja-JP" sz="1000" strike="sngStrike" dirty="0" err="1">
+                <a:solidFill>
+                  <a:sysClr val="windowText" lastClr="000000"/>
+                </a:solidFill>
+              </a:rPr>
+              <a:t>proxy_redirect</a:t>
+            </a:r>
+            <a:endParaRPr kumimoji="1" lang="en-US" altLang="ja-JP" sz="1000" strike="sngStrike" dirty="0">
+              <a:solidFill>
+                <a:sysClr val="windowText" lastClr="000000"/>
+              </a:solidFill>
+            </a:endParaRPr>
+          </a:p>
+          <a:p>
+            <a:r>
+              <a:rPr kumimoji="1" lang="en-US" altLang="ja-JP" sz="1000" strike="sngStrike" dirty="0" err="1">
+                <a:solidFill>
+                  <a:sysClr val="windowText" lastClr="000000"/>
+                </a:solidFill>
+              </a:rPr>
+              <a:t>port_in_redirect</a:t>
+            </a:r>
+            <a:r>
+              <a:rPr kumimoji="1" lang="en-US" altLang="ja-JP" sz="1000" strike="sngStrike" dirty="0">
+                <a:solidFill>
+                  <a:sysClr val="windowText" lastClr="000000"/>
+                </a:solidFill>
+              </a:rPr>
+              <a:t> on</a:t>
+            </a:r>
+            <a:endParaRPr kumimoji="1" lang="ja-JP" altLang="en-US" sz="1000" strike="sngStrike" dirty="0">
+              <a:solidFill>
+                <a:sysClr val="windowText" lastClr="000000"/>
+              </a:solidFill>
+            </a:endParaRPr>
+          </a:p>
+        </p:txBody>
+      </p:sp>
+      <p:sp>
+        <p:nvSpPr>
+          <p:cNvPr id="14" name="正方形/長方形 13">
+            <a:extLst>
+              <a:ext uri="{FF2B5EF4-FFF2-40B4-BE49-F238E27FC236}">
+                <a16:creationId xmlns:a16="http://schemas.microsoft.com/office/drawing/2014/main" id="{8814577A-8643-490C-A588-2460E1E2145D}"/>
+              </a:ext>
+            </a:extLst>
+          </p:cNvPr>
+          <p:cNvSpPr/>
+          <p:nvPr/>
+        </p:nvSpPr>
+        <p:spPr>
+          <a:xfrm>
+            <a:off x="9553903" y="283056"/>
+            <a:ext cx="2622330" cy="1066799"/>
+          </a:xfrm>
+          <a:prstGeom prst="rect">
+            <a:avLst/>
+          </a:prstGeom>
+          <a:solidFill>
+            <a:schemeClr val="bg1"/>
+          </a:solidFill>
+          <a:ln>
+            <a:solidFill>
+              <a:schemeClr val="tx1"/>
+            </a:solidFill>
+          </a:ln>
+        </p:spPr>
+        <p:style>
+          <a:lnRef idx="2">
+            <a:schemeClr val="accent1">
+              <a:shade val="50000"/>
+            </a:schemeClr>
+          </a:lnRef>
+          <a:fillRef idx="1">
+            <a:schemeClr val="accent1"/>
+          </a:fillRef>
+          <a:effectRef idx="0">
+            <a:schemeClr val="accent1"/>
+          </a:effectRef>
+          <a:fontRef idx="minor">
+            <a:schemeClr val="lt1"/>
+          </a:fontRef>
+        </p:style>
+        <p:txBody>
+          <a:bodyPr rtlCol="0" anchor="ctr"/>
+          <a:lstStyle/>
+          <a:p>
+            <a:r>
+              <a:rPr lang="en-US" altLang="ja-JP" sz="1000" b="1" dirty="0" err="1">
+                <a:solidFill>
+                  <a:sysClr val="windowText" lastClr="000000"/>
+                </a:solidFill>
+              </a:rPr>
+              <a:t>flask_test</a:t>
+            </a:r>
+            <a:endParaRPr lang="en-US" altLang="ja-JP" sz="1000" b="1" dirty="0">
+              <a:solidFill>
+                <a:sysClr val="windowText" lastClr="000000"/>
+              </a:solidFill>
+            </a:endParaRPr>
+          </a:p>
+          <a:p>
+            <a:r>
+              <a:rPr kumimoji="1" lang="en-US" altLang="ja-JP" sz="1000" dirty="0">
+                <a:solidFill>
+                  <a:sysClr val="windowText" lastClr="000000"/>
+                </a:solidFill>
+              </a:rPr>
+              <a:t>"Gateway": "172.22.0.1",</a:t>
+            </a:r>
+          </a:p>
+          <a:p>
+            <a:r>
+              <a:rPr kumimoji="1" lang="en-US" altLang="ja-JP" sz="1000" dirty="0">
+                <a:solidFill>
+                  <a:sysClr val="windowText" lastClr="000000"/>
+                </a:solidFill>
+              </a:rPr>
+              <a:t>"</a:t>
+            </a:r>
+            <a:r>
+              <a:rPr kumimoji="1" lang="en-US" altLang="ja-JP" sz="1000" dirty="0" err="1">
+                <a:solidFill>
+                  <a:sysClr val="windowText" lastClr="000000"/>
+                </a:solidFill>
+              </a:rPr>
+              <a:t>IPAddress</a:t>
+            </a:r>
+            <a:r>
+              <a:rPr kumimoji="1" lang="en-US" altLang="ja-JP" sz="1000" dirty="0">
+                <a:solidFill>
+                  <a:sysClr val="windowText" lastClr="000000"/>
+                </a:solidFill>
+              </a:rPr>
+              <a:t>": "172.22.0.2"</a:t>
+            </a:r>
+          </a:p>
+        </p:txBody>
+      </p:sp>
+      <p:sp>
+        <p:nvSpPr>
+          <p:cNvPr id="25" name="テキスト ボックス 24">
+            <a:extLst>
+              <a:ext uri="{FF2B5EF4-FFF2-40B4-BE49-F238E27FC236}">
+                <a16:creationId xmlns:a16="http://schemas.microsoft.com/office/drawing/2014/main" id="{1EE3948D-C37D-47FA-B4F0-535458A08E61}"/>
+              </a:ext>
+            </a:extLst>
+          </p:cNvPr>
+          <p:cNvSpPr txBox="1"/>
+          <p:nvPr/>
+        </p:nvSpPr>
+        <p:spPr>
+          <a:xfrm>
+            <a:off x="0" y="3313"/>
+            <a:ext cx="1358318" cy="307777"/>
+          </a:xfrm>
+          <a:prstGeom prst="rect">
+            <a:avLst/>
+          </a:prstGeom>
+          <a:noFill/>
+        </p:spPr>
+        <p:txBody>
+          <a:bodyPr wrap="square" rtlCol="0">
+            <a:spAutoFit/>
+          </a:bodyPr>
+          <a:lstStyle/>
+          <a:p>
+            <a:r>
+              <a:rPr lang="ja-JP" altLang="en-US" sz="1400" dirty="0"/>
+              <a:t>テスト</a:t>
+            </a:r>
+            <a:r>
+              <a:rPr lang="en-US" altLang="ja-JP" sz="1400" dirty="0"/>
+              <a:t>6</a:t>
+            </a:r>
+            <a:endParaRPr kumimoji="1" lang="ja-JP" altLang="en-US" sz="1400" dirty="0"/>
+          </a:p>
+        </p:txBody>
+      </p:sp>
+      <p:cxnSp>
+        <p:nvCxnSpPr>
+          <p:cNvPr id="26" name="直線矢印コネクタ 25">
+            <a:extLst>
+              <a:ext uri="{FF2B5EF4-FFF2-40B4-BE49-F238E27FC236}">
+                <a16:creationId xmlns:a16="http://schemas.microsoft.com/office/drawing/2014/main" id="{541F9DC5-F485-4BCA-A1DB-B170139AC045}"/>
+              </a:ext>
+            </a:extLst>
+          </p:cNvPr>
+          <p:cNvCxnSpPr>
+            <a:cxnSpLocks/>
+          </p:cNvCxnSpPr>
+          <p:nvPr/>
+        </p:nvCxnSpPr>
+        <p:spPr>
+          <a:xfrm flipH="1">
+            <a:off x="107420" y="2270963"/>
+            <a:ext cx="3919296" cy="0"/>
+          </a:xfrm>
+          <a:prstGeom prst="straightConnector1">
+            <a:avLst/>
+          </a:prstGeom>
+          <a:ln>
+            <a:solidFill>
+              <a:schemeClr val="tx1"/>
+            </a:solidFill>
+            <a:tailEnd type="triangle"/>
+          </a:ln>
+        </p:spPr>
+        <p:style>
+          <a:lnRef idx="1">
+            <a:schemeClr val="accent1"/>
+          </a:lnRef>
+          <a:fillRef idx="0">
+            <a:schemeClr val="accent1"/>
+          </a:fillRef>
+          <a:effectRef idx="0">
+            <a:schemeClr val="accent1"/>
+          </a:effectRef>
+          <a:fontRef idx="minor">
+            <a:schemeClr val="tx1"/>
+          </a:fontRef>
+        </p:style>
+      </p:cxnSp>
+      <p:cxnSp>
+        <p:nvCxnSpPr>
+          <p:cNvPr id="35" name="直線矢印コネクタ 34">
+            <a:extLst>
+              <a:ext uri="{FF2B5EF4-FFF2-40B4-BE49-F238E27FC236}">
+                <a16:creationId xmlns:a16="http://schemas.microsoft.com/office/drawing/2014/main" id="{8FDE5BC7-888B-4D11-B53A-D05701012FE3}"/>
+              </a:ext>
+            </a:extLst>
+          </p:cNvPr>
+          <p:cNvCxnSpPr>
+            <a:cxnSpLocks/>
+          </p:cNvCxnSpPr>
+          <p:nvPr/>
+        </p:nvCxnSpPr>
+        <p:spPr>
+          <a:xfrm>
+            <a:off x="107418" y="2108966"/>
+            <a:ext cx="3919298" cy="0"/>
+          </a:xfrm>
+          <a:prstGeom prst="straightConnector1">
+            <a:avLst/>
+          </a:prstGeom>
+          <a:ln>
+            <a:solidFill>
+              <a:schemeClr val="tx1"/>
+            </a:solidFill>
+            <a:tailEnd type="triangle"/>
+          </a:ln>
+        </p:spPr>
+        <p:style>
+          <a:lnRef idx="1">
+            <a:schemeClr val="accent1"/>
+          </a:lnRef>
+          <a:fillRef idx="0">
+            <a:schemeClr val="accent1"/>
+          </a:fillRef>
+          <a:effectRef idx="0">
+            <a:schemeClr val="accent1"/>
+          </a:effectRef>
+          <a:fontRef idx="minor">
+            <a:schemeClr val="tx1"/>
+          </a:fontRef>
+        </p:style>
+      </p:cxnSp>
+      <p:sp>
+        <p:nvSpPr>
+          <p:cNvPr id="27" name="正方形/長方形 26">
+            <a:extLst>
+              <a:ext uri="{FF2B5EF4-FFF2-40B4-BE49-F238E27FC236}">
+                <a16:creationId xmlns:a16="http://schemas.microsoft.com/office/drawing/2014/main" id="{DAECBBA4-9444-4E33-8BC4-B589F54ADF32}"/>
+              </a:ext>
+            </a:extLst>
+          </p:cNvPr>
+          <p:cNvSpPr/>
+          <p:nvPr/>
+        </p:nvSpPr>
+        <p:spPr>
+          <a:xfrm>
+            <a:off x="273538" y="1432160"/>
+            <a:ext cx="3584528" cy="1364258"/>
+          </a:xfrm>
+          <a:prstGeom prst="rect">
+            <a:avLst/>
+          </a:prstGeom>
+          <a:solidFill>
+            <a:schemeClr val="bg1"/>
+          </a:solidFill>
+          <a:ln>
+            <a:solidFill>
+              <a:schemeClr val="tx1"/>
+            </a:solidFill>
+          </a:ln>
+        </p:spPr>
+        <p:style>
+          <a:lnRef idx="2">
+            <a:schemeClr val="accent1">
+              <a:shade val="50000"/>
+            </a:schemeClr>
+          </a:lnRef>
+          <a:fillRef idx="1">
+            <a:schemeClr val="accent1"/>
+          </a:fillRef>
+          <a:effectRef idx="0">
+            <a:schemeClr val="accent1"/>
+          </a:effectRef>
+          <a:fontRef idx="minor">
+            <a:schemeClr val="lt1"/>
+          </a:fontRef>
+        </p:style>
+        <p:txBody>
+          <a:bodyPr rtlCol="0" anchor="ctr"/>
+          <a:lstStyle/>
+          <a:p>
+            <a:r>
+              <a:rPr kumimoji="1" lang="en-US" altLang="ja-JP" sz="1000" dirty="0">
+                <a:solidFill>
+                  <a:sysClr val="windowText" lastClr="000000"/>
+                </a:solidFill>
+              </a:rPr>
+              <a:t>#remote_addr: 61.211.224.11</a:t>
+            </a:r>
+          </a:p>
+          <a:p>
+            <a:r>
+              <a:rPr kumimoji="1" lang="en-US" altLang="ja-JP" sz="1000" dirty="0">
+                <a:solidFill>
+                  <a:sysClr val="windowText" lastClr="000000"/>
+                </a:solidFill>
+              </a:rPr>
+              <a:t>#request: GET / HTTP/1.1</a:t>
+            </a:r>
+          </a:p>
+          <a:p>
+            <a:r>
+              <a:rPr kumimoji="1" lang="en-US" altLang="ja-JP" sz="1000" dirty="0">
+                <a:solidFill>
+                  <a:sysClr val="windowText" lastClr="000000"/>
+                </a:solidFill>
+              </a:rPr>
+              <a:t>#host: test-flask.fmitty.net</a:t>
+            </a:r>
+          </a:p>
+          <a:p>
+            <a:r>
+              <a:rPr kumimoji="1" lang="en-US" altLang="ja-JP" sz="1000" dirty="0">
+                <a:solidFill>
+                  <a:sysClr val="windowText" lastClr="000000"/>
+                </a:solidFill>
+              </a:rPr>
+              <a:t>#http_host: test-flask.fmitty.net</a:t>
+            </a:r>
+          </a:p>
+          <a:p>
+            <a:r>
+              <a:rPr kumimoji="1" lang="en-US" altLang="ja-JP" sz="1000" dirty="0">
+                <a:solidFill>
+                  <a:sysClr val="windowText" lastClr="000000"/>
+                </a:solidFill>
+              </a:rPr>
+              <a:t>#referer: -</a:t>
+            </a:r>
+          </a:p>
+          <a:p>
+            <a:r>
+              <a:rPr kumimoji="1" lang="en-US" altLang="ja-JP" sz="1000" dirty="0">
+                <a:solidFill>
+                  <a:sysClr val="windowText" lastClr="000000"/>
+                </a:solidFill>
+              </a:rPr>
+              <a:t>#status: 200</a:t>
+            </a:r>
+          </a:p>
+          <a:p>
+            <a:r>
+              <a:rPr kumimoji="1" lang="en-US" altLang="ja-JP" sz="1000" dirty="0">
+                <a:solidFill>
+                  <a:sysClr val="windowText" lastClr="000000"/>
+                </a:solidFill>
+              </a:rPr>
+              <a:t>#location: -</a:t>
+            </a:r>
+            <a:endParaRPr kumimoji="1" lang="ja-JP" altLang="en-US" sz="1000" dirty="0">
+              <a:solidFill>
+                <a:sysClr val="windowText" lastClr="000000"/>
+              </a:solidFill>
+            </a:endParaRPr>
+          </a:p>
+        </p:txBody>
+      </p:sp>
+      <p:cxnSp>
+        <p:nvCxnSpPr>
+          <p:cNvPr id="46" name="直線矢印コネクタ 45">
+            <a:extLst>
+              <a:ext uri="{FF2B5EF4-FFF2-40B4-BE49-F238E27FC236}">
+                <a16:creationId xmlns:a16="http://schemas.microsoft.com/office/drawing/2014/main" id="{C178A7BB-E990-4546-B974-4A74C004B5AB}"/>
+              </a:ext>
+            </a:extLst>
+          </p:cNvPr>
+          <p:cNvCxnSpPr>
+            <a:cxnSpLocks/>
+          </p:cNvCxnSpPr>
+          <p:nvPr/>
+        </p:nvCxnSpPr>
+        <p:spPr>
+          <a:xfrm flipH="1">
+            <a:off x="4021736" y="2265640"/>
+            <a:ext cx="3919296" cy="0"/>
+          </a:xfrm>
+          <a:prstGeom prst="straightConnector1">
+            <a:avLst/>
+          </a:prstGeom>
+          <a:ln>
+            <a:solidFill>
+              <a:schemeClr val="tx1"/>
+            </a:solidFill>
+            <a:tailEnd type="triangle"/>
+          </a:ln>
+        </p:spPr>
+        <p:style>
+          <a:lnRef idx="1">
+            <a:schemeClr val="accent1"/>
+          </a:lnRef>
+          <a:fillRef idx="0">
+            <a:schemeClr val="accent1"/>
+          </a:fillRef>
+          <a:effectRef idx="0">
+            <a:schemeClr val="accent1"/>
+          </a:effectRef>
+          <a:fontRef idx="minor">
+            <a:schemeClr val="tx1"/>
+          </a:fontRef>
+        </p:style>
+      </p:cxnSp>
+      <p:cxnSp>
+        <p:nvCxnSpPr>
+          <p:cNvPr id="47" name="直線矢印コネクタ 46">
+            <a:extLst>
+              <a:ext uri="{FF2B5EF4-FFF2-40B4-BE49-F238E27FC236}">
+                <a16:creationId xmlns:a16="http://schemas.microsoft.com/office/drawing/2014/main" id="{B506B50F-BCBD-4AA7-A30A-04B73CFE5B91}"/>
+              </a:ext>
+            </a:extLst>
+          </p:cNvPr>
+          <p:cNvCxnSpPr>
+            <a:cxnSpLocks/>
+          </p:cNvCxnSpPr>
+          <p:nvPr/>
+        </p:nvCxnSpPr>
+        <p:spPr>
+          <a:xfrm>
+            <a:off x="4021734" y="2103643"/>
+            <a:ext cx="3919298" cy="0"/>
+          </a:xfrm>
+          <a:prstGeom prst="straightConnector1">
+            <a:avLst/>
+          </a:prstGeom>
+          <a:ln>
+            <a:solidFill>
+              <a:schemeClr val="tx1"/>
+            </a:solidFill>
+            <a:tailEnd type="triangle"/>
+          </a:ln>
+        </p:spPr>
+        <p:style>
+          <a:lnRef idx="1">
+            <a:schemeClr val="accent1"/>
+          </a:lnRef>
+          <a:fillRef idx="0">
+            <a:schemeClr val="accent1"/>
+          </a:fillRef>
+          <a:effectRef idx="0">
+            <a:schemeClr val="accent1"/>
+          </a:effectRef>
+          <a:fontRef idx="minor">
+            <a:schemeClr val="tx1"/>
+          </a:fontRef>
+        </p:style>
+      </p:cxnSp>
+      <p:sp>
+        <p:nvSpPr>
+          <p:cNvPr id="48" name="正方形/長方形 47">
+            <a:extLst>
+              <a:ext uri="{FF2B5EF4-FFF2-40B4-BE49-F238E27FC236}">
+                <a16:creationId xmlns:a16="http://schemas.microsoft.com/office/drawing/2014/main" id="{2A59FF82-06F8-4146-AA5C-C22AA372DF89}"/>
+              </a:ext>
+            </a:extLst>
+          </p:cNvPr>
+          <p:cNvSpPr/>
+          <p:nvPr/>
+        </p:nvSpPr>
+        <p:spPr>
+          <a:xfrm>
+            <a:off x="4187854" y="1426837"/>
+            <a:ext cx="3584528" cy="1364258"/>
+          </a:xfrm>
+          <a:prstGeom prst="rect">
+            <a:avLst/>
+          </a:prstGeom>
+          <a:solidFill>
+            <a:schemeClr val="bg1"/>
+          </a:solidFill>
+          <a:ln>
+            <a:solidFill>
+              <a:schemeClr val="tx1"/>
+            </a:solidFill>
+          </a:ln>
+        </p:spPr>
+        <p:style>
+          <a:lnRef idx="2">
+            <a:schemeClr val="accent1">
+              <a:shade val="50000"/>
+            </a:schemeClr>
+          </a:lnRef>
+          <a:fillRef idx="1">
+            <a:schemeClr val="accent1"/>
+          </a:fillRef>
+          <a:effectRef idx="0">
+            <a:schemeClr val="accent1"/>
+          </a:effectRef>
+          <a:fontRef idx="minor">
+            <a:schemeClr val="lt1"/>
+          </a:fontRef>
+        </p:style>
+        <p:txBody>
+          <a:bodyPr rtlCol="0" anchor="ctr"/>
+          <a:lstStyle/>
+          <a:p>
+            <a:r>
+              <a:rPr kumimoji="1" lang="en-US" altLang="ja-JP" sz="1000" dirty="0">
+                <a:solidFill>
+                  <a:sysClr val="windowText" lastClr="000000"/>
+                </a:solidFill>
+              </a:rPr>
+              <a:t>#remote_addr: 172.22.0.1</a:t>
+            </a:r>
+          </a:p>
+          <a:p>
+            <a:r>
+              <a:rPr kumimoji="1" lang="en-US" altLang="ja-JP" sz="1000" dirty="0">
+                <a:solidFill>
+                  <a:sysClr val="windowText" lastClr="000000"/>
+                </a:solidFill>
+              </a:rPr>
+              <a:t>#request: GET / HTTP/1.0</a:t>
+            </a:r>
+          </a:p>
+          <a:p>
+            <a:r>
+              <a:rPr kumimoji="1" lang="en-US" altLang="ja-JP" sz="1000" dirty="0">
+                <a:solidFill>
+                  <a:sysClr val="windowText" lastClr="000000"/>
+                </a:solidFill>
+              </a:rPr>
+              <a:t>#host: test-flask.fmitty.net</a:t>
+            </a:r>
+          </a:p>
+          <a:p>
+            <a:r>
+              <a:rPr kumimoji="1" lang="en-US" altLang="ja-JP" sz="1000" dirty="0">
+                <a:solidFill>
+                  <a:sysClr val="windowText" lastClr="000000"/>
+                </a:solidFill>
+              </a:rPr>
+              <a:t>#http_host: test-flask.fmitty.net</a:t>
+            </a:r>
+          </a:p>
+          <a:p>
+            <a:r>
+              <a:rPr kumimoji="1" lang="en-US" altLang="ja-JP" sz="1000" dirty="0">
+                <a:solidFill>
+                  <a:sysClr val="windowText" lastClr="000000"/>
+                </a:solidFill>
+              </a:rPr>
+              <a:t>#referer: -</a:t>
+            </a:r>
+          </a:p>
+          <a:p>
+            <a:r>
+              <a:rPr kumimoji="1" lang="en-US" altLang="ja-JP" sz="1000" dirty="0">
+                <a:solidFill>
+                  <a:sysClr val="windowText" lastClr="000000"/>
+                </a:solidFill>
+              </a:rPr>
+              <a:t>#status: 200</a:t>
+            </a:r>
+          </a:p>
+          <a:p>
+            <a:r>
+              <a:rPr kumimoji="1" lang="en-US" altLang="ja-JP" sz="1000" dirty="0">
+                <a:solidFill>
+                  <a:sysClr val="windowText" lastClr="000000"/>
+                </a:solidFill>
+              </a:rPr>
+              <a:t>#location: -</a:t>
+            </a:r>
+            <a:endParaRPr kumimoji="1" lang="ja-JP" altLang="en-US" sz="1000" dirty="0">
+              <a:solidFill>
+                <a:sysClr val="windowText" lastClr="000000"/>
+              </a:solidFill>
+            </a:endParaRPr>
+          </a:p>
+        </p:txBody>
+      </p:sp>
+      <p:cxnSp>
+        <p:nvCxnSpPr>
+          <p:cNvPr id="49" name="直線矢印コネクタ 48">
+            <a:extLst>
+              <a:ext uri="{FF2B5EF4-FFF2-40B4-BE49-F238E27FC236}">
+                <a16:creationId xmlns:a16="http://schemas.microsoft.com/office/drawing/2014/main" id="{0AEFD271-3982-4D13-B155-DDC9ADF1281E}"/>
+              </a:ext>
+            </a:extLst>
+          </p:cNvPr>
+          <p:cNvCxnSpPr>
+            <a:cxnSpLocks/>
+          </p:cNvCxnSpPr>
+          <p:nvPr/>
+        </p:nvCxnSpPr>
+        <p:spPr>
+          <a:xfrm flipH="1">
+            <a:off x="7938582" y="2263812"/>
+            <a:ext cx="3919296" cy="0"/>
+          </a:xfrm>
+          <a:prstGeom prst="straightConnector1">
+            <a:avLst/>
+          </a:prstGeom>
+          <a:ln>
+            <a:solidFill>
+              <a:schemeClr val="tx1"/>
+            </a:solidFill>
+            <a:tailEnd type="triangle"/>
+          </a:ln>
+        </p:spPr>
+        <p:style>
+          <a:lnRef idx="1">
+            <a:schemeClr val="accent1"/>
+          </a:lnRef>
+          <a:fillRef idx="0">
+            <a:schemeClr val="accent1"/>
+          </a:fillRef>
+          <a:effectRef idx="0">
+            <a:schemeClr val="accent1"/>
+          </a:effectRef>
+          <a:fontRef idx="minor">
+            <a:schemeClr val="tx1"/>
+          </a:fontRef>
+        </p:style>
+      </p:cxnSp>
+      <p:cxnSp>
+        <p:nvCxnSpPr>
+          <p:cNvPr id="50" name="直線矢印コネクタ 49">
+            <a:extLst>
+              <a:ext uri="{FF2B5EF4-FFF2-40B4-BE49-F238E27FC236}">
+                <a16:creationId xmlns:a16="http://schemas.microsoft.com/office/drawing/2014/main" id="{FD00D875-2E22-4436-B586-2F5B2D33D880}"/>
+              </a:ext>
+            </a:extLst>
+          </p:cNvPr>
+          <p:cNvCxnSpPr>
+            <a:cxnSpLocks/>
+          </p:cNvCxnSpPr>
+          <p:nvPr/>
+        </p:nvCxnSpPr>
+        <p:spPr>
+          <a:xfrm>
+            <a:off x="7938580" y="2101815"/>
+            <a:ext cx="3919298" cy="0"/>
+          </a:xfrm>
+          <a:prstGeom prst="straightConnector1">
+            <a:avLst/>
+          </a:prstGeom>
+          <a:ln>
+            <a:solidFill>
+              <a:schemeClr val="tx1"/>
+            </a:solidFill>
+            <a:tailEnd type="triangle"/>
+          </a:ln>
+        </p:spPr>
+        <p:style>
+          <a:lnRef idx="1">
+            <a:schemeClr val="accent1"/>
+          </a:lnRef>
+          <a:fillRef idx="0">
+            <a:schemeClr val="accent1"/>
+          </a:fillRef>
+          <a:effectRef idx="0">
+            <a:schemeClr val="accent1"/>
+          </a:effectRef>
+          <a:fontRef idx="minor">
+            <a:schemeClr val="tx1"/>
+          </a:fontRef>
+        </p:style>
+      </p:cxnSp>
+      <p:sp>
+        <p:nvSpPr>
+          <p:cNvPr id="51" name="正方形/長方形 50">
+            <a:extLst>
+              <a:ext uri="{FF2B5EF4-FFF2-40B4-BE49-F238E27FC236}">
+                <a16:creationId xmlns:a16="http://schemas.microsoft.com/office/drawing/2014/main" id="{ADA5BE0E-7E62-45C8-81E2-118E313A799E}"/>
+              </a:ext>
+            </a:extLst>
+          </p:cNvPr>
+          <p:cNvSpPr/>
+          <p:nvPr/>
+        </p:nvSpPr>
+        <p:spPr>
+          <a:xfrm>
+            <a:off x="8104700" y="1425009"/>
+            <a:ext cx="3584528" cy="1364258"/>
+          </a:xfrm>
+          <a:prstGeom prst="rect">
+            <a:avLst/>
+          </a:prstGeom>
+          <a:solidFill>
+            <a:schemeClr val="bg1"/>
+          </a:solidFill>
+          <a:ln>
+            <a:solidFill>
+              <a:schemeClr val="tx1"/>
+            </a:solidFill>
+          </a:ln>
+        </p:spPr>
+        <p:style>
+          <a:lnRef idx="2">
+            <a:schemeClr val="accent1">
+              <a:shade val="50000"/>
+            </a:schemeClr>
+          </a:lnRef>
+          <a:fillRef idx="1">
+            <a:schemeClr val="accent1"/>
+          </a:fillRef>
+          <a:effectRef idx="0">
+            <a:schemeClr val="accent1"/>
+          </a:effectRef>
+          <a:fontRef idx="minor">
+            <a:schemeClr val="lt1"/>
+          </a:fontRef>
+        </p:style>
+        <p:txBody>
+          <a:bodyPr rtlCol="0" anchor="ctr"/>
+          <a:lstStyle/>
+          <a:p>
+            <a:r>
+              <a:rPr kumimoji="1" lang="en-US" altLang="ja-JP" sz="1000" dirty="0">
+                <a:solidFill>
+                  <a:sysClr val="windowText" lastClr="000000"/>
+                </a:solidFill>
+              </a:rPr>
+              <a:t>remote_addr: 172.22.0.3" "</a:t>
+            </a:r>
+          </a:p>
+          <a:p>
+            <a:r>
+              <a:rPr kumimoji="1" lang="en-US" altLang="ja-JP" sz="1000" dirty="0">
+                <a:solidFill>
+                  <a:sysClr val="windowText" lastClr="000000"/>
+                </a:solidFill>
+              </a:rPr>
+              <a:t>#request: GET / HTTP/1.0" "</a:t>
+            </a:r>
+          </a:p>
+          <a:p>
+            <a:r>
+              <a:rPr kumimoji="1" lang="en-US" altLang="ja-JP" sz="1000" dirty="0">
+                <a:solidFill>
+                  <a:sysClr val="windowText" lastClr="000000"/>
+                </a:solidFill>
+              </a:rPr>
+              <a:t>status: 200" "</a:t>
+            </a:r>
+          </a:p>
+          <a:p>
+            <a:r>
+              <a:rPr kumimoji="1" lang="en-US" altLang="ja-JP" sz="1000" dirty="0">
+                <a:solidFill>
+                  <a:sysClr val="windowText" lastClr="000000"/>
+                </a:solidFill>
+              </a:rPr>
+              <a:t>host: test-flask.fmitty.net" "</a:t>
+            </a:r>
+          </a:p>
+          <a:p>
+            <a:r>
+              <a:rPr kumimoji="1" lang="en-US" altLang="ja-JP" sz="1000" dirty="0" err="1">
+                <a:solidFill>
+                  <a:sysClr val="windowText" lastClr="000000"/>
+                </a:solidFill>
+              </a:rPr>
+              <a:t>referer</a:t>
+            </a:r>
+            <a:r>
+              <a:rPr kumimoji="1" lang="en-US" altLang="ja-JP" sz="1000" dirty="0">
+                <a:solidFill>
+                  <a:sysClr val="windowText" lastClr="000000"/>
+                </a:solidFill>
+              </a:rPr>
+              <a:t>: -" "</a:t>
+            </a:r>
+          </a:p>
+          <a:p>
+            <a:r>
+              <a:rPr kumimoji="1" lang="en-US" altLang="ja-JP" sz="1000" dirty="0">
+                <a:solidFill>
+                  <a:sysClr val="windowText" lastClr="000000"/>
+                </a:solidFill>
+              </a:rPr>
+              <a:t>location: -</a:t>
+            </a:r>
+            <a:endParaRPr kumimoji="1" lang="ja-JP" altLang="en-US" sz="1000" dirty="0">
+              <a:solidFill>
+                <a:sysClr val="windowText" lastClr="000000"/>
+              </a:solidFill>
+            </a:endParaRPr>
+          </a:p>
+        </p:txBody>
+      </p:sp>
+      <p:cxnSp>
+        <p:nvCxnSpPr>
+          <p:cNvPr id="52" name="直線矢印コネクタ 51">
+            <a:extLst>
+              <a:ext uri="{FF2B5EF4-FFF2-40B4-BE49-F238E27FC236}">
+                <a16:creationId xmlns:a16="http://schemas.microsoft.com/office/drawing/2014/main" id="{F439A089-B15B-4827-B5E7-563AB8C9E820}"/>
+              </a:ext>
+            </a:extLst>
+          </p:cNvPr>
+          <p:cNvCxnSpPr>
+            <a:cxnSpLocks/>
+          </p:cNvCxnSpPr>
+          <p:nvPr/>
+        </p:nvCxnSpPr>
+        <p:spPr>
+          <a:xfrm flipH="1">
+            <a:off x="107420" y="4008746"/>
+            <a:ext cx="3919296" cy="0"/>
+          </a:xfrm>
+          <a:prstGeom prst="straightConnector1">
+            <a:avLst/>
+          </a:prstGeom>
+          <a:ln>
+            <a:solidFill>
+              <a:schemeClr val="tx1"/>
+            </a:solidFill>
+            <a:tailEnd type="triangle"/>
+          </a:ln>
+        </p:spPr>
+        <p:style>
+          <a:lnRef idx="1">
+            <a:schemeClr val="accent1"/>
+          </a:lnRef>
+          <a:fillRef idx="0">
+            <a:schemeClr val="accent1"/>
+          </a:fillRef>
+          <a:effectRef idx="0">
+            <a:schemeClr val="accent1"/>
+          </a:effectRef>
+          <a:fontRef idx="minor">
+            <a:schemeClr val="tx1"/>
+          </a:fontRef>
+        </p:style>
+      </p:cxnSp>
+      <p:cxnSp>
+        <p:nvCxnSpPr>
+          <p:cNvPr id="53" name="直線矢印コネクタ 52">
+            <a:extLst>
+              <a:ext uri="{FF2B5EF4-FFF2-40B4-BE49-F238E27FC236}">
+                <a16:creationId xmlns:a16="http://schemas.microsoft.com/office/drawing/2014/main" id="{CE429552-8A62-4D0B-B6C7-DE6328E89C3C}"/>
+              </a:ext>
+            </a:extLst>
+          </p:cNvPr>
+          <p:cNvCxnSpPr>
+            <a:cxnSpLocks/>
+          </p:cNvCxnSpPr>
+          <p:nvPr/>
+        </p:nvCxnSpPr>
+        <p:spPr>
+          <a:xfrm>
+            <a:off x="107418" y="3846749"/>
+            <a:ext cx="3919298" cy="0"/>
+          </a:xfrm>
+          <a:prstGeom prst="straightConnector1">
+            <a:avLst/>
+          </a:prstGeom>
+          <a:ln>
+            <a:solidFill>
+              <a:schemeClr val="tx1"/>
+            </a:solidFill>
+            <a:tailEnd type="triangle"/>
+          </a:ln>
+        </p:spPr>
+        <p:style>
+          <a:lnRef idx="1">
+            <a:schemeClr val="accent1"/>
+          </a:lnRef>
+          <a:fillRef idx="0">
+            <a:schemeClr val="accent1"/>
+          </a:fillRef>
+          <a:effectRef idx="0">
+            <a:schemeClr val="accent1"/>
+          </a:effectRef>
+          <a:fontRef idx="minor">
+            <a:schemeClr val="tx1"/>
+          </a:fontRef>
+        </p:style>
+      </p:cxnSp>
+      <p:sp>
+        <p:nvSpPr>
+          <p:cNvPr id="54" name="正方形/長方形 53">
+            <a:extLst>
+              <a:ext uri="{FF2B5EF4-FFF2-40B4-BE49-F238E27FC236}">
+                <a16:creationId xmlns:a16="http://schemas.microsoft.com/office/drawing/2014/main" id="{20880AFD-65E6-409C-B97C-39257D064810}"/>
+              </a:ext>
+            </a:extLst>
+          </p:cNvPr>
+          <p:cNvSpPr/>
+          <p:nvPr/>
+        </p:nvSpPr>
+        <p:spPr>
+          <a:xfrm>
+            <a:off x="273538" y="3169943"/>
+            <a:ext cx="3584528" cy="1364258"/>
+          </a:xfrm>
+          <a:prstGeom prst="rect">
+            <a:avLst/>
+          </a:prstGeom>
+          <a:solidFill>
+            <a:schemeClr val="bg1"/>
+          </a:solidFill>
+          <a:ln>
+            <a:solidFill>
+              <a:schemeClr val="tx1"/>
+            </a:solidFill>
+          </a:ln>
+        </p:spPr>
+        <p:style>
+          <a:lnRef idx="2">
+            <a:schemeClr val="accent1">
+              <a:shade val="50000"/>
+            </a:schemeClr>
+          </a:lnRef>
+          <a:fillRef idx="1">
+            <a:schemeClr val="accent1"/>
+          </a:fillRef>
+          <a:effectRef idx="0">
+            <a:schemeClr val="accent1"/>
+          </a:effectRef>
+          <a:fontRef idx="minor">
+            <a:schemeClr val="lt1"/>
+          </a:fontRef>
+        </p:style>
+        <p:txBody>
+          <a:bodyPr rtlCol="0" anchor="ctr"/>
+          <a:lstStyle/>
+          <a:p>
+            <a:r>
+              <a:rPr kumimoji="1" lang="en-US" altLang="ja-JP" sz="1000" dirty="0">
+                <a:solidFill>
+                  <a:sysClr val="windowText" lastClr="000000"/>
+                </a:solidFill>
+              </a:rPr>
+              <a:t>#remote_addr: 61.211.224.11</a:t>
+            </a:r>
+          </a:p>
+          <a:p>
+            <a:r>
+              <a:rPr kumimoji="1" lang="en-US" altLang="ja-JP" sz="1000" dirty="0">
+                <a:solidFill>
+                  <a:sysClr val="windowText" lastClr="000000"/>
+                </a:solidFill>
+              </a:rPr>
+              <a:t>#request: GET /</a:t>
+            </a:r>
+            <a:r>
+              <a:rPr kumimoji="1" lang="en-US" altLang="ja-JP" sz="1000" dirty="0" err="1">
+                <a:solidFill>
+                  <a:sysClr val="windowText" lastClr="000000"/>
+                </a:solidFill>
+              </a:rPr>
+              <a:t>redirect_test</a:t>
+            </a:r>
+            <a:r>
+              <a:rPr kumimoji="1" lang="en-US" altLang="ja-JP" sz="1000" dirty="0">
+                <a:solidFill>
+                  <a:sysClr val="windowText" lastClr="000000"/>
+                </a:solidFill>
+              </a:rPr>
+              <a:t> HTTP/1.1</a:t>
+            </a:r>
+          </a:p>
+          <a:p>
+            <a:r>
+              <a:rPr kumimoji="1" lang="en-US" altLang="ja-JP" sz="1000" dirty="0">
+                <a:solidFill>
+                  <a:sysClr val="windowText" lastClr="000000"/>
+                </a:solidFill>
+              </a:rPr>
+              <a:t>#host: test-flask.fmitty.net</a:t>
+            </a:r>
+          </a:p>
+          <a:p>
+            <a:r>
+              <a:rPr kumimoji="1" lang="en-US" altLang="ja-JP" sz="1000" dirty="0">
+                <a:solidFill>
+                  <a:sysClr val="windowText" lastClr="000000"/>
+                </a:solidFill>
+              </a:rPr>
+              <a:t>#http_host: test-flask.fmitty.net</a:t>
+            </a:r>
+          </a:p>
+          <a:p>
+            <a:r>
+              <a:rPr kumimoji="1" lang="en-US" altLang="ja-JP" sz="1000" dirty="0">
+                <a:solidFill>
+                  <a:sysClr val="windowText" lastClr="000000"/>
+                </a:solidFill>
+              </a:rPr>
+              <a:t>#referer: http://test-flask.fmitty.net/</a:t>
+            </a:r>
+          </a:p>
+          <a:p>
+            <a:r>
+              <a:rPr kumimoji="1" lang="en-US" altLang="ja-JP" sz="1000" dirty="0">
+                <a:solidFill>
+                  <a:sysClr val="windowText" lastClr="000000"/>
+                </a:solidFill>
+              </a:rPr>
+              <a:t>#status: 302</a:t>
+            </a:r>
+          </a:p>
+          <a:p>
+            <a:r>
+              <a:rPr kumimoji="1" lang="en-US" altLang="ja-JP" sz="1000" dirty="0">
+                <a:solidFill>
+                  <a:sysClr val="windowText" lastClr="000000"/>
+                </a:solidFill>
+              </a:rPr>
+              <a:t>#location: http://test-flask.fmitty.net/redirect_result</a:t>
+            </a:r>
+            <a:endParaRPr kumimoji="1" lang="ja-JP" altLang="en-US" sz="1000" dirty="0">
+              <a:solidFill>
+                <a:sysClr val="windowText" lastClr="000000"/>
+              </a:solidFill>
+            </a:endParaRPr>
+          </a:p>
+        </p:txBody>
+      </p:sp>
+      <p:cxnSp>
+        <p:nvCxnSpPr>
+          <p:cNvPr id="55" name="直線矢印コネクタ 54">
+            <a:extLst>
+              <a:ext uri="{FF2B5EF4-FFF2-40B4-BE49-F238E27FC236}">
+                <a16:creationId xmlns:a16="http://schemas.microsoft.com/office/drawing/2014/main" id="{8D5F53B4-08E3-49A1-9207-69D4D5D374FA}"/>
+              </a:ext>
+            </a:extLst>
+          </p:cNvPr>
+          <p:cNvCxnSpPr>
+            <a:cxnSpLocks/>
+          </p:cNvCxnSpPr>
+          <p:nvPr/>
+        </p:nvCxnSpPr>
+        <p:spPr>
+          <a:xfrm flipH="1">
+            <a:off x="4021736" y="4003423"/>
+            <a:ext cx="3919296" cy="0"/>
+          </a:xfrm>
+          <a:prstGeom prst="straightConnector1">
+            <a:avLst/>
+          </a:prstGeom>
+          <a:ln>
+            <a:solidFill>
+              <a:schemeClr val="tx1"/>
+            </a:solidFill>
+            <a:tailEnd type="triangle"/>
+          </a:ln>
+        </p:spPr>
+        <p:style>
+          <a:lnRef idx="1">
+            <a:schemeClr val="accent1"/>
+          </a:lnRef>
+          <a:fillRef idx="0">
+            <a:schemeClr val="accent1"/>
+          </a:fillRef>
+          <a:effectRef idx="0">
+            <a:schemeClr val="accent1"/>
+          </a:effectRef>
+          <a:fontRef idx="minor">
+            <a:schemeClr val="tx1"/>
+          </a:fontRef>
+        </p:style>
+      </p:cxnSp>
+      <p:cxnSp>
+        <p:nvCxnSpPr>
+          <p:cNvPr id="56" name="直線矢印コネクタ 55">
+            <a:extLst>
+              <a:ext uri="{FF2B5EF4-FFF2-40B4-BE49-F238E27FC236}">
+                <a16:creationId xmlns:a16="http://schemas.microsoft.com/office/drawing/2014/main" id="{BE8788AF-B392-420F-8361-8F89D6596564}"/>
+              </a:ext>
+            </a:extLst>
+          </p:cNvPr>
+          <p:cNvCxnSpPr>
+            <a:cxnSpLocks/>
+          </p:cNvCxnSpPr>
+          <p:nvPr/>
+        </p:nvCxnSpPr>
+        <p:spPr>
+          <a:xfrm>
+            <a:off x="4021734" y="3841426"/>
+            <a:ext cx="3919298" cy="0"/>
+          </a:xfrm>
+          <a:prstGeom prst="straightConnector1">
+            <a:avLst/>
+          </a:prstGeom>
+          <a:ln>
+            <a:solidFill>
+              <a:schemeClr val="tx1"/>
+            </a:solidFill>
+            <a:tailEnd type="triangle"/>
+          </a:ln>
+        </p:spPr>
+        <p:style>
+          <a:lnRef idx="1">
+            <a:schemeClr val="accent1"/>
+          </a:lnRef>
+          <a:fillRef idx="0">
+            <a:schemeClr val="accent1"/>
+          </a:fillRef>
+          <a:effectRef idx="0">
+            <a:schemeClr val="accent1"/>
+          </a:effectRef>
+          <a:fontRef idx="minor">
+            <a:schemeClr val="tx1"/>
+          </a:fontRef>
+        </p:style>
+      </p:cxnSp>
+      <p:sp>
+        <p:nvSpPr>
+          <p:cNvPr id="57" name="正方形/長方形 56">
+            <a:extLst>
+              <a:ext uri="{FF2B5EF4-FFF2-40B4-BE49-F238E27FC236}">
+                <a16:creationId xmlns:a16="http://schemas.microsoft.com/office/drawing/2014/main" id="{CAEE5AE0-B989-4255-AFF4-2FAE0D06FA2A}"/>
+              </a:ext>
+            </a:extLst>
+          </p:cNvPr>
+          <p:cNvSpPr/>
+          <p:nvPr/>
+        </p:nvSpPr>
+        <p:spPr>
+          <a:xfrm>
+            <a:off x="4187854" y="3164620"/>
+            <a:ext cx="3584528" cy="1364258"/>
+          </a:xfrm>
+          <a:prstGeom prst="rect">
+            <a:avLst/>
+          </a:prstGeom>
+          <a:solidFill>
+            <a:schemeClr val="bg1"/>
+          </a:solidFill>
+          <a:ln>
+            <a:solidFill>
+              <a:schemeClr val="tx1"/>
+            </a:solidFill>
+          </a:ln>
+        </p:spPr>
+        <p:style>
+          <a:lnRef idx="2">
+            <a:schemeClr val="accent1">
+              <a:shade val="50000"/>
+            </a:schemeClr>
+          </a:lnRef>
+          <a:fillRef idx="1">
+            <a:schemeClr val="accent1"/>
+          </a:fillRef>
+          <a:effectRef idx="0">
+            <a:schemeClr val="accent1"/>
+          </a:effectRef>
+          <a:fontRef idx="minor">
+            <a:schemeClr val="lt1"/>
+          </a:fontRef>
+        </p:style>
+        <p:txBody>
+          <a:bodyPr rtlCol="0" anchor="ctr"/>
+          <a:lstStyle/>
+          <a:p>
+            <a:r>
+              <a:rPr kumimoji="1" lang="en-US" altLang="ja-JP" sz="1000" dirty="0">
+                <a:solidFill>
+                  <a:sysClr val="windowText" lastClr="000000"/>
+                </a:solidFill>
+              </a:rPr>
+              <a:t>#remote_addr: 172.22.0.1</a:t>
+            </a:r>
+          </a:p>
+          <a:p>
+            <a:r>
+              <a:rPr kumimoji="1" lang="en-US" altLang="ja-JP" sz="1000" dirty="0">
+                <a:solidFill>
+                  <a:sysClr val="windowText" lastClr="000000"/>
+                </a:solidFill>
+              </a:rPr>
+              <a:t>#request: GET /</a:t>
+            </a:r>
+            <a:r>
+              <a:rPr kumimoji="1" lang="en-US" altLang="ja-JP" sz="1000" dirty="0" err="1">
+                <a:solidFill>
+                  <a:sysClr val="windowText" lastClr="000000"/>
+                </a:solidFill>
+              </a:rPr>
+              <a:t>redirect_test</a:t>
+            </a:r>
+            <a:r>
+              <a:rPr kumimoji="1" lang="en-US" altLang="ja-JP" sz="1000" dirty="0">
+                <a:solidFill>
+                  <a:sysClr val="windowText" lastClr="000000"/>
+                </a:solidFill>
+              </a:rPr>
+              <a:t> HTTP/1.0</a:t>
+            </a:r>
+          </a:p>
+          <a:p>
+            <a:r>
+              <a:rPr kumimoji="1" lang="en-US" altLang="ja-JP" sz="1000" dirty="0">
+                <a:solidFill>
+                  <a:sysClr val="windowText" lastClr="000000"/>
+                </a:solidFill>
+              </a:rPr>
+              <a:t>#host: test-flask.fmitty.net</a:t>
+            </a:r>
+          </a:p>
+          <a:p>
+            <a:r>
+              <a:rPr kumimoji="1" lang="en-US" altLang="ja-JP" sz="1000" dirty="0">
+                <a:solidFill>
+                  <a:sysClr val="windowText" lastClr="000000"/>
+                </a:solidFill>
+              </a:rPr>
+              <a:t>#http_host: test-flask.fmitty.net</a:t>
+            </a:r>
+          </a:p>
+          <a:p>
+            <a:r>
+              <a:rPr kumimoji="1" lang="en-US" altLang="ja-JP" sz="1000" dirty="0">
+                <a:solidFill>
+                  <a:sysClr val="windowText" lastClr="000000"/>
+                </a:solidFill>
+              </a:rPr>
+              <a:t>#referer: http://test-flask.fmitty.net/</a:t>
+            </a:r>
+          </a:p>
+          <a:p>
+            <a:r>
+              <a:rPr kumimoji="1" lang="en-US" altLang="ja-JP" sz="1000" dirty="0">
+                <a:solidFill>
+                  <a:sysClr val="windowText" lastClr="000000"/>
+                </a:solidFill>
+              </a:rPr>
+              <a:t>#status: 302</a:t>
+            </a:r>
+          </a:p>
+          <a:p>
+            <a:r>
+              <a:rPr kumimoji="1" lang="en-US" altLang="ja-JP" sz="1000" dirty="0">
+                <a:solidFill>
+                  <a:sysClr val="windowText" lastClr="000000"/>
+                </a:solidFill>
+              </a:rPr>
+              <a:t>#location: http://test-flask.fmitty.net/redirect_result</a:t>
+            </a:r>
+            <a:endParaRPr kumimoji="1" lang="ja-JP" altLang="en-US" sz="1000" dirty="0">
+              <a:solidFill>
+                <a:sysClr val="windowText" lastClr="000000"/>
+              </a:solidFill>
+            </a:endParaRPr>
+          </a:p>
+        </p:txBody>
+      </p:sp>
+      <p:cxnSp>
+        <p:nvCxnSpPr>
+          <p:cNvPr id="58" name="直線矢印コネクタ 57">
+            <a:extLst>
+              <a:ext uri="{FF2B5EF4-FFF2-40B4-BE49-F238E27FC236}">
+                <a16:creationId xmlns:a16="http://schemas.microsoft.com/office/drawing/2014/main" id="{27E1E2C4-57BD-4D93-8217-C48EA26AE4EC}"/>
+              </a:ext>
+            </a:extLst>
+          </p:cNvPr>
+          <p:cNvCxnSpPr>
+            <a:cxnSpLocks/>
+          </p:cNvCxnSpPr>
+          <p:nvPr/>
+        </p:nvCxnSpPr>
+        <p:spPr>
+          <a:xfrm flipH="1">
+            <a:off x="7938582" y="4001595"/>
+            <a:ext cx="3919296" cy="0"/>
+          </a:xfrm>
+          <a:prstGeom prst="straightConnector1">
+            <a:avLst/>
+          </a:prstGeom>
+          <a:ln>
+            <a:solidFill>
+              <a:schemeClr val="tx1"/>
+            </a:solidFill>
+            <a:tailEnd type="triangle"/>
+          </a:ln>
+        </p:spPr>
+        <p:style>
+          <a:lnRef idx="1">
+            <a:schemeClr val="accent1"/>
+          </a:lnRef>
+          <a:fillRef idx="0">
+            <a:schemeClr val="accent1"/>
+          </a:fillRef>
+          <a:effectRef idx="0">
+            <a:schemeClr val="accent1"/>
+          </a:effectRef>
+          <a:fontRef idx="minor">
+            <a:schemeClr val="tx1"/>
+          </a:fontRef>
+        </p:style>
+      </p:cxnSp>
+      <p:cxnSp>
+        <p:nvCxnSpPr>
+          <p:cNvPr id="59" name="直線矢印コネクタ 58">
+            <a:extLst>
+              <a:ext uri="{FF2B5EF4-FFF2-40B4-BE49-F238E27FC236}">
+                <a16:creationId xmlns:a16="http://schemas.microsoft.com/office/drawing/2014/main" id="{3191F40A-9A3B-4654-8FBB-0E70D764515E}"/>
+              </a:ext>
+            </a:extLst>
+          </p:cNvPr>
+          <p:cNvCxnSpPr>
+            <a:cxnSpLocks/>
+          </p:cNvCxnSpPr>
+          <p:nvPr/>
+        </p:nvCxnSpPr>
+        <p:spPr>
+          <a:xfrm>
+            <a:off x="7938580" y="3839598"/>
+            <a:ext cx="3919298" cy="0"/>
+          </a:xfrm>
+          <a:prstGeom prst="straightConnector1">
+            <a:avLst/>
+          </a:prstGeom>
+          <a:ln>
+            <a:solidFill>
+              <a:schemeClr val="tx1"/>
+            </a:solidFill>
+            <a:tailEnd type="triangle"/>
+          </a:ln>
+        </p:spPr>
+        <p:style>
+          <a:lnRef idx="1">
+            <a:schemeClr val="accent1"/>
+          </a:lnRef>
+          <a:fillRef idx="0">
+            <a:schemeClr val="accent1"/>
+          </a:fillRef>
+          <a:effectRef idx="0">
+            <a:schemeClr val="accent1"/>
+          </a:effectRef>
+          <a:fontRef idx="minor">
+            <a:schemeClr val="tx1"/>
+          </a:fontRef>
+        </p:style>
+      </p:cxnSp>
+      <p:sp>
+        <p:nvSpPr>
+          <p:cNvPr id="60" name="正方形/長方形 59">
+            <a:extLst>
+              <a:ext uri="{FF2B5EF4-FFF2-40B4-BE49-F238E27FC236}">
+                <a16:creationId xmlns:a16="http://schemas.microsoft.com/office/drawing/2014/main" id="{010F3116-075B-45E5-9D27-E17E8BB38215}"/>
+              </a:ext>
+            </a:extLst>
+          </p:cNvPr>
+          <p:cNvSpPr/>
+          <p:nvPr/>
+        </p:nvSpPr>
+        <p:spPr>
+          <a:xfrm>
+            <a:off x="8104700" y="3162792"/>
+            <a:ext cx="3584528" cy="1364258"/>
+          </a:xfrm>
+          <a:prstGeom prst="rect">
+            <a:avLst/>
+          </a:prstGeom>
+          <a:solidFill>
+            <a:schemeClr val="bg1"/>
+          </a:solidFill>
+          <a:ln>
+            <a:solidFill>
+              <a:schemeClr val="tx1"/>
+            </a:solidFill>
+          </a:ln>
+        </p:spPr>
+        <p:style>
+          <a:lnRef idx="2">
+            <a:schemeClr val="accent1">
+              <a:shade val="50000"/>
+            </a:schemeClr>
+          </a:lnRef>
+          <a:fillRef idx="1">
+            <a:schemeClr val="accent1"/>
+          </a:fillRef>
+          <a:effectRef idx="0">
+            <a:schemeClr val="accent1"/>
+          </a:effectRef>
+          <a:fontRef idx="minor">
+            <a:schemeClr val="lt1"/>
+          </a:fontRef>
+        </p:style>
+        <p:txBody>
+          <a:bodyPr rtlCol="0" anchor="ctr"/>
+          <a:lstStyle/>
+          <a:p>
+            <a:r>
+              <a:rPr kumimoji="1" lang="en-US" altLang="ja-JP" sz="1000" dirty="0">
+                <a:solidFill>
+                  <a:sysClr val="windowText" lastClr="000000"/>
+                </a:solidFill>
+              </a:rPr>
+              <a:t>remote_addr: 172.22.0.3" "</a:t>
+            </a:r>
+          </a:p>
+          <a:p>
+            <a:r>
+              <a:rPr kumimoji="1" lang="en-US" altLang="ja-JP" sz="1000" dirty="0">
+                <a:solidFill>
+                  <a:sysClr val="windowText" lastClr="000000"/>
+                </a:solidFill>
+              </a:rPr>
+              <a:t>#request: GET /</a:t>
+            </a:r>
+            <a:r>
+              <a:rPr kumimoji="1" lang="en-US" altLang="ja-JP" sz="1000" dirty="0" err="1">
+                <a:solidFill>
+                  <a:sysClr val="windowText" lastClr="000000"/>
+                </a:solidFill>
+              </a:rPr>
+              <a:t>redirect_test</a:t>
+            </a:r>
+            <a:r>
+              <a:rPr kumimoji="1" lang="en-US" altLang="ja-JP" sz="1000" dirty="0">
+                <a:solidFill>
+                  <a:sysClr val="windowText" lastClr="000000"/>
+                </a:solidFill>
+              </a:rPr>
+              <a:t> HTTP/1.0" "</a:t>
+            </a:r>
+          </a:p>
+          <a:p>
+            <a:r>
+              <a:rPr kumimoji="1" lang="en-US" altLang="ja-JP" sz="1000" dirty="0">
+                <a:solidFill>
+                  <a:sysClr val="windowText" lastClr="000000"/>
+                </a:solidFill>
+              </a:rPr>
+              <a:t>status: 302" "</a:t>
+            </a:r>
+          </a:p>
+          <a:p>
+            <a:r>
+              <a:rPr kumimoji="1" lang="en-US" altLang="ja-JP" sz="1000" dirty="0">
+                <a:solidFill>
+                  <a:sysClr val="windowText" lastClr="000000"/>
+                </a:solidFill>
+              </a:rPr>
+              <a:t>host: test-flask.fmitty.net" "</a:t>
+            </a:r>
+          </a:p>
+          <a:p>
+            <a:r>
+              <a:rPr kumimoji="1" lang="en-US" altLang="ja-JP" sz="1000" dirty="0" err="1">
+                <a:solidFill>
+                  <a:sysClr val="windowText" lastClr="000000"/>
+                </a:solidFill>
+              </a:rPr>
+              <a:t>referer</a:t>
+            </a:r>
+            <a:r>
+              <a:rPr kumimoji="1" lang="en-US" altLang="ja-JP" sz="1000" dirty="0">
+                <a:solidFill>
+                  <a:sysClr val="windowText" lastClr="000000"/>
+                </a:solidFill>
+              </a:rPr>
+              <a:t>: http://test-flask.fmitty.net/" "</a:t>
+            </a:r>
+          </a:p>
+          <a:p>
+            <a:r>
+              <a:rPr kumimoji="1" lang="en-US" altLang="ja-JP" sz="1000" dirty="0">
+                <a:solidFill>
+                  <a:sysClr val="windowText" lastClr="000000"/>
+                </a:solidFill>
+              </a:rPr>
+              <a:t>location: http://test-flask.fmitty.net/redirect_result</a:t>
+            </a:r>
+            <a:endParaRPr kumimoji="1" lang="ja-JP" altLang="en-US" sz="1000" dirty="0">
+              <a:solidFill>
+                <a:sysClr val="windowText" lastClr="000000"/>
+              </a:solidFill>
+            </a:endParaRPr>
+          </a:p>
+        </p:txBody>
+      </p:sp>
+      <p:cxnSp>
+        <p:nvCxnSpPr>
+          <p:cNvPr id="61" name="直線矢印コネクタ 60">
+            <a:extLst>
+              <a:ext uri="{FF2B5EF4-FFF2-40B4-BE49-F238E27FC236}">
+                <a16:creationId xmlns:a16="http://schemas.microsoft.com/office/drawing/2014/main" id="{6568D77F-040C-4817-86AF-D55FE33F5720}"/>
+              </a:ext>
+            </a:extLst>
+          </p:cNvPr>
+          <p:cNvCxnSpPr>
+            <a:cxnSpLocks/>
+          </p:cNvCxnSpPr>
+          <p:nvPr/>
+        </p:nvCxnSpPr>
+        <p:spPr>
+          <a:xfrm flipH="1">
+            <a:off x="107420" y="5906698"/>
+            <a:ext cx="3919296" cy="0"/>
+          </a:xfrm>
+          <a:prstGeom prst="straightConnector1">
+            <a:avLst/>
+          </a:prstGeom>
+          <a:ln>
+            <a:solidFill>
+              <a:schemeClr val="tx1"/>
+            </a:solidFill>
+            <a:tailEnd type="triangle"/>
+          </a:ln>
+        </p:spPr>
+        <p:style>
+          <a:lnRef idx="1">
+            <a:schemeClr val="accent1"/>
+          </a:lnRef>
+          <a:fillRef idx="0">
+            <a:schemeClr val="accent1"/>
+          </a:fillRef>
+          <a:effectRef idx="0">
+            <a:schemeClr val="accent1"/>
+          </a:effectRef>
+          <a:fontRef idx="minor">
+            <a:schemeClr val="tx1"/>
+          </a:fontRef>
+        </p:style>
+      </p:cxnSp>
+      <p:cxnSp>
+        <p:nvCxnSpPr>
+          <p:cNvPr id="62" name="直線矢印コネクタ 61">
+            <a:extLst>
+              <a:ext uri="{FF2B5EF4-FFF2-40B4-BE49-F238E27FC236}">
+                <a16:creationId xmlns:a16="http://schemas.microsoft.com/office/drawing/2014/main" id="{45617967-BF2C-4220-ADBA-3856423327F8}"/>
+              </a:ext>
+            </a:extLst>
+          </p:cNvPr>
+          <p:cNvCxnSpPr>
+            <a:cxnSpLocks/>
+          </p:cNvCxnSpPr>
+          <p:nvPr/>
+        </p:nvCxnSpPr>
+        <p:spPr>
+          <a:xfrm>
+            <a:off x="107418" y="5744701"/>
+            <a:ext cx="3919298" cy="0"/>
+          </a:xfrm>
+          <a:prstGeom prst="straightConnector1">
+            <a:avLst/>
+          </a:prstGeom>
+          <a:ln>
+            <a:solidFill>
+              <a:schemeClr val="tx1"/>
+            </a:solidFill>
+            <a:tailEnd type="triangle"/>
+          </a:ln>
+        </p:spPr>
+        <p:style>
+          <a:lnRef idx="1">
+            <a:schemeClr val="accent1"/>
+          </a:lnRef>
+          <a:fillRef idx="0">
+            <a:schemeClr val="accent1"/>
+          </a:fillRef>
+          <a:effectRef idx="0">
+            <a:schemeClr val="accent1"/>
+          </a:effectRef>
+          <a:fontRef idx="minor">
+            <a:schemeClr val="tx1"/>
+          </a:fontRef>
+        </p:style>
+      </p:cxnSp>
+      <p:sp>
+        <p:nvSpPr>
+          <p:cNvPr id="63" name="正方形/長方形 62">
+            <a:extLst>
+              <a:ext uri="{FF2B5EF4-FFF2-40B4-BE49-F238E27FC236}">
+                <a16:creationId xmlns:a16="http://schemas.microsoft.com/office/drawing/2014/main" id="{5D5A5565-5B91-453D-B602-FB3E13FA2E19}"/>
+              </a:ext>
+            </a:extLst>
+          </p:cNvPr>
+          <p:cNvSpPr/>
+          <p:nvPr/>
+        </p:nvSpPr>
+        <p:spPr>
+          <a:xfrm>
+            <a:off x="273538" y="5067895"/>
+            <a:ext cx="3584528" cy="1364258"/>
+          </a:xfrm>
+          <a:prstGeom prst="rect">
+            <a:avLst/>
+          </a:prstGeom>
+          <a:solidFill>
+            <a:schemeClr val="bg1"/>
+          </a:solidFill>
+          <a:ln>
+            <a:solidFill>
+              <a:schemeClr val="tx1"/>
+            </a:solidFill>
+          </a:ln>
+        </p:spPr>
+        <p:style>
+          <a:lnRef idx="2">
+            <a:schemeClr val="accent1">
+              <a:shade val="50000"/>
+            </a:schemeClr>
+          </a:lnRef>
+          <a:fillRef idx="1">
+            <a:schemeClr val="accent1"/>
+          </a:fillRef>
+          <a:effectRef idx="0">
+            <a:schemeClr val="accent1"/>
+          </a:effectRef>
+          <a:fontRef idx="minor">
+            <a:schemeClr val="lt1"/>
+          </a:fontRef>
+        </p:style>
+        <p:txBody>
+          <a:bodyPr rtlCol="0" anchor="ctr"/>
+          <a:lstStyle/>
+          <a:p>
+            <a:r>
+              <a:rPr kumimoji="1" lang="en-US" altLang="ja-JP" sz="1000" dirty="0">
+                <a:solidFill>
+                  <a:sysClr val="windowText" lastClr="000000"/>
+                </a:solidFill>
+              </a:rPr>
+              <a:t>#remote_addr: 61.211.224.11</a:t>
+            </a:r>
+          </a:p>
+          <a:p>
+            <a:r>
+              <a:rPr kumimoji="1" lang="en-US" altLang="ja-JP" sz="1000" dirty="0">
+                <a:solidFill>
+                  <a:sysClr val="windowText" lastClr="000000"/>
+                </a:solidFill>
+              </a:rPr>
+              <a:t>#request: GET /</a:t>
+            </a:r>
+            <a:r>
+              <a:rPr kumimoji="1" lang="en-US" altLang="ja-JP" sz="1000" dirty="0" err="1">
+                <a:solidFill>
+                  <a:sysClr val="windowText" lastClr="000000"/>
+                </a:solidFill>
+              </a:rPr>
+              <a:t>redirect_result</a:t>
+            </a:r>
+            <a:r>
+              <a:rPr kumimoji="1" lang="en-US" altLang="ja-JP" sz="1000" dirty="0">
+                <a:solidFill>
+                  <a:sysClr val="windowText" lastClr="000000"/>
+                </a:solidFill>
+              </a:rPr>
+              <a:t> HTTP/1.1</a:t>
+            </a:r>
+          </a:p>
+          <a:p>
+            <a:r>
+              <a:rPr kumimoji="1" lang="en-US" altLang="ja-JP" sz="1000" dirty="0">
+                <a:solidFill>
+                  <a:sysClr val="windowText" lastClr="000000"/>
+                </a:solidFill>
+              </a:rPr>
+              <a:t>#host: test-flask.fmitty.net</a:t>
+            </a:r>
+          </a:p>
+          <a:p>
+            <a:r>
+              <a:rPr kumimoji="1" lang="en-US" altLang="ja-JP" sz="1000" dirty="0">
+                <a:solidFill>
+                  <a:sysClr val="windowText" lastClr="000000"/>
+                </a:solidFill>
+              </a:rPr>
+              <a:t>#http_host: test-flask.fmitty.net</a:t>
+            </a:r>
+          </a:p>
+          <a:p>
+            <a:r>
+              <a:rPr kumimoji="1" lang="en-US" altLang="ja-JP" sz="1000" dirty="0">
+                <a:solidFill>
+                  <a:sysClr val="windowText" lastClr="000000"/>
+                </a:solidFill>
+              </a:rPr>
+              <a:t>#referer: http://test-flask.fmitty.net/</a:t>
+            </a:r>
+          </a:p>
+          <a:p>
+            <a:r>
+              <a:rPr kumimoji="1" lang="en-US" altLang="ja-JP" sz="1000" dirty="0">
+                <a:solidFill>
+                  <a:sysClr val="windowText" lastClr="000000"/>
+                </a:solidFill>
+              </a:rPr>
+              <a:t>#status: 200</a:t>
+            </a:r>
+          </a:p>
+          <a:p>
+            <a:r>
+              <a:rPr kumimoji="1" lang="en-US" altLang="ja-JP" sz="1000" dirty="0">
+                <a:solidFill>
+                  <a:sysClr val="windowText" lastClr="000000"/>
+                </a:solidFill>
+              </a:rPr>
+              <a:t>#location: -</a:t>
+            </a:r>
+            <a:endParaRPr kumimoji="1" lang="ja-JP" altLang="en-US" sz="1000" dirty="0">
+              <a:solidFill>
+                <a:sysClr val="windowText" lastClr="000000"/>
+              </a:solidFill>
+            </a:endParaRPr>
+          </a:p>
+        </p:txBody>
+      </p:sp>
+      <p:cxnSp>
+        <p:nvCxnSpPr>
+          <p:cNvPr id="64" name="直線矢印コネクタ 63">
+            <a:extLst>
+              <a:ext uri="{FF2B5EF4-FFF2-40B4-BE49-F238E27FC236}">
+                <a16:creationId xmlns:a16="http://schemas.microsoft.com/office/drawing/2014/main" id="{7A1C55E5-C072-426D-9986-95B5398739CC}"/>
+              </a:ext>
+            </a:extLst>
+          </p:cNvPr>
+          <p:cNvCxnSpPr>
+            <a:cxnSpLocks/>
+          </p:cNvCxnSpPr>
+          <p:nvPr/>
+        </p:nvCxnSpPr>
+        <p:spPr>
+          <a:xfrm flipH="1">
+            <a:off x="4021736" y="5901375"/>
+            <a:ext cx="3919296" cy="0"/>
+          </a:xfrm>
+          <a:prstGeom prst="straightConnector1">
+            <a:avLst/>
+          </a:prstGeom>
+          <a:ln>
+            <a:solidFill>
+              <a:schemeClr val="tx1"/>
+            </a:solidFill>
+            <a:tailEnd type="triangle"/>
+          </a:ln>
+        </p:spPr>
+        <p:style>
+          <a:lnRef idx="1">
+            <a:schemeClr val="accent1"/>
+          </a:lnRef>
+          <a:fillRef idx="0">
+            <a:schemeClr val="accent1"/>
+          </a:fillRef>
+          <a:effectRef idx="0">
+            <a:schemeClr val="accent1"/>
+          </a:effectRef>
+          <a:fontRef idx="minor">
+            <a:schemeClr val="tx1"/>
+          </a:fontRef>
+        </p:style>
+      </p:cxnSp>
+      <p:cxnSp>
+        <p:nvCxnSpPr>
+          <p:cNvPr id="65" name="直線矢印コネクタ 64">
+            <a:extLst>
+              <a:ext uri="{FF2B5EF4-FFF2-40B4-BE49-F238E27FC236}">
+                <a16:creationId xmlns:a16="http://schemas.microsoft.com/office/drawing/2014/main" id="{C6B29518-0FFC-457C-806E-E14CCAD94E42}"/>
+              </a:ext>
+            </a:extLst>
+          </p:cNvPr>
+          <p:cNvCxnSpPr>
+            <a:cxnSpLocks/>
+          </p:cNvCxnSpPr>
+          <p:nvPr/>
+        </p:nvCxnSpPr>
+        <p:spPr>
+          <a:xfrm>
+            <a:off x="4021734" y="5739378"/>
+            <a:ext cx="3919298" cy="0"/>
+          </a:xfrm>
+          <a:prstGeom prst="straightConnector1">
+            <a:avLst/>
+          </a:prstGeom>
+          <a:ln>
+            <a:solidFill>
+              <a:schemeClr val="tx1"/>
+            </a:solidFill>
+            <a:tailEnd type="triangle"/>
+          </a:ln>
+        </p:spPr>
+        <p:style>
+          <a:lnRef idx="1">
+            <a:schemeClr val="accent1"/>
+          </a:lnRef>
+          <a:fillRef idx="0">
+            <a:schemeClr val="accent1"/>
+          </a:fillRef>
+          <a:effectRef idx="0">
+            <a:schemeClr val="accent1"/>
+          </a:effectRef>
+          <a:fontRef idx="minor">
+            <a:schemeClr val="tx1"/>
+          </a:fontRef>
+        </p:style>
+      </p:cxnSp>
+      <p:sp>
+        <p:nvSpPr>
+          <p:cNvPr id="66" name="正方形/長方形 65">
+            <a:extLst>
+              <a:ext uri="{FF2B5EF4-FFF2-40B4-BE49-F238E27FC236}">
+                <a16:creationId xmlns:a16="http://schemas.microsoft.com/office/drawing/2014/main" id="{94EF5798-C178-4C11-BF5E-7C6B053D4DA0}"/>
+              </a:ext>
+            </a:extLst>
+          </p:cNvPr>
+          <p:cNvSpPr/>
+          <p:nvPr/>
+        </p:nvSpPr>
+        <p:spPr>
+          <a:xfrm>
+            <a:off x="4187854" y="5062572"/>
+            <a:ext cx="3584528" cy="1364258"/>
+          </a:xfrm>
+          <a:prstGeom prst="rect">
+            <a:avLst/>
+          </a:prstGeom>
+          <a:solidFill>
+            <a:schemeClr val="bg1"/>
+          </a:solidFill>
+          <a:ln>
+            <a:solidFill>
+              <a:schemeClr val="tx1"/>
+            </a:solidFill>
+          </a:ln>
+        </p:spPr>
+        <p:style>
+          <a:lnRef idx="2">
+            <a:schemeClr val="accent1">
+              <a:shade val="50000"/>
+            </a:schemeClr>
+          </a:lnRef>
+          <a:fillRef idx="1">
+            <a:schemeClr val="accent1"/>
+          </a:fillRef>
+          <a:effectRef idx="0">
+            <a:schemeClr val="accent1"/>
+          </a:effectRef>
+          <a:fontRef idx="minor">
+            <a:schemeClr val="lt1"/>
+          </a:fontRef>
+        </p:style>
+        <p:txBody>
+          <a:bodyPr rtlCol="0" anchor="ctr"/>
+          <a:lstStyle/>
+          <a:p>
+            <a:r>
+              <a:rPr kumimoji="1" lang="en-US" altLang="ja-JP" sz="1000" dirty="0">
+                <a:solidFill>
+                  <a:sysClr val="windowText" lastClr="000000"/>
+                </a:solidFill>
+              </a:rPr>
+              <a:t>#remote_addr: 172.22.0.1</a:t>
+            </a:r>
+          </a:p>
+          <a:p>
+            <a:r>
+              <a:rPr kumimoji="1" lang="en-US" altLang="ja-JP" sz="1000" dirty="0">
+                <a:solidFill>
+                  <a:sysClr val="windowText" lastClr="000000"/>
+                </a:solidFill>
+              </a:rPr>
+              <a:t>#request: GET /</a:t>
+            </a:r>
+            <a:r>
+              <a:rPr kumimoji="1" lang="en-US" altLang="ja-JP" sz="1000" dirty="0" err="1">
+                <a:solidFill>
+                  <a:sysClr val="windowText" lastClr="000000"/>
+                </a:solidFill>
+              </a:rPr>
+              <a:t>redirect_result</a:t>
+            </a:r>
+            <a:r>
+              <a:rPr kumimoji="1" lang="en-US" altLang="ja-JP" sz="1000" dirty="0">
+                <a:solidFill>
+                  <a:sysClr val="windowText" lastClr="000000"/>
+                </a:solidFill>
+              </a:rPr>
+              <a:t> HTTP/1.0</a:t>
+            </a:r>
+          </a:p>
+          <a:p>
+            <a:r>
+              <a:rPr kumimoji="1" lang="en-US" altLang="ja-JP" sz="1000" dirty="0">
+                <a:solidFill>
+                  <a:sysClr val="windowText" lastClr="000000"/>
+                </a:solidFill>
+              </a:rPr>
+              <a:t>#host: test-flask.fmitty.net</a:t>
+            </a:r>
+          </a:p>
+          <a:p>
+            <a:r>
+              <a:rPr kumimoji="1" lang="en-US" altLang="ja-JP" sz="1000" dirty="0">
+                <a:solidFill>
+                  <a:sysClr val="windowText" lastClr="000000"/>
+                </a:solidFill>
+              </a:rPr>
+              <a:t>#http_host: test-flask.fmitty.net</a:t>
+            </a:r>
+          </a:p>
+          <a:p>
+            <a:r>
+              <a:rPr kumimoji="1" lang="en-US" altLang="ja-JP" sz="1000" dirty="0">
+                <a:solidFill>
+                  <a:sysClr val="windowText" lastClr="000000"/>
+                </a:solidFill>
+              </a:rPr>
+              <a:t>#referer: http://test-flask.fmitty.net/</a:t>
+            </a:r>
+          </a:p>
+          <a:p>
+            <a:r>
+              <a:rPr kumimoji="1" lang="en-US" altLang="ja-JP" sz="1000" dirty="0">
+                <a:solidFill>
+                  <a:sysClr val="windowText" lastClr="000000"/>
+                </a:solidFill>
+              </a:rPr>
+              <a:t>#status: 200</a:t>
+            </a:r>
+          </a:p>
+          <a:p>
+            <a:r>
+              <a:rPr kumimoji="1" lang="en-US" altLang="ja-JP" sz="1000" dirty="0">
+                <a:solidFill>
+                  <a:sysClr val="windowText" lastClr="000000"/>
+                </a:solidFill>
+              </a:rPr>
+              <a:t>#location: -</a:t>
+            </a:r>
+            <a:endParaRPr kumimoji="1" lang="ja-JP" altLang="en-US" sz="1000" dirty="0">
+              <a:solidFill>
+                <a:sysClr val="windowText" lastClr="000000"/>
+              </a:solidFill>
+            </a:endParaRPr>
+          </a:p>
+        </p:txBody>
+      </p:sp>
+      <p:cxnSp>
+        <p:nvCxnSpPr>
+          <p:cNvPr id="67" name="直線矢印コネクタ 66">
+            <a:extLst>
+              <a:ext uri="{FF2B5EF4-FFF2-40B4-BE49-F238E27FC236}">
+                <a16:creationId xmlns:a16="http://schemas.microsoft.com/office/drawing/2014/main" id="{ED8EF66F-3BD0-48B2-B8BD-3747CAF5C9FE}"/>
+              </a:ext>
+            </a:extLst>
+          </p:cNvPr>
+          <p:cNvCxnSpPr>
+            <a:cxnSpLocks/>
+          </p:cNvCxnSpPr>
+          <p:nvPr/>
+        </p:nvCxnSpPr>
+        <p:spPr>
+          <a:xfrm flipH="1">
+            <a:off x="7938582" y="5899547"/>
+            <a:ext cx="3919296" cy="0"/>
+          </a:xfrm>
+          <a:prstGeom prst="straightConnector1">
+            <a:avLst/>
+          </a:prstGeom>
+          <a:ln>
+            <a:solidFill>
+              <a:schemeClr val="tx1"/>
+            </a:solidFill>
+            <a:tailEnd type="triangle"/>
+          </a:ln>
+        </p:spPr>
+        <p:style>
+          <a:lnRef idx="1">
+            <a:schemeClr val="accent1"/>
+          </a:lnRef>
+          <a:fillRef idx="0">
+            <a:schemeClr val="accent1"/>
+          </a:fillRef>
+          <a:effectRef idx="0">
+            <a:schemeClr val="accent1"/>
+          </a:effectRef>
+          <a:fontRef idx="minor">
+            <a:schemeClr val="tx1"/>
+          </a:fontRef>
+        </p:style>
+      </p:cxnSp>
+      <p:cxnSp>
+        <p:nvCxnSpPr>
+          <p:cNvPr id="68" name="直線矢印コネクタ 67">
+            <a:extLst>
+              <a:ext uri="{FF2B5EF4-FFF2-40B4-BE49-F238E27FC236}">
+                <a16:creationId xmlns:a16="http://schemas.microsoft.com/office/drawing/2014/main" id="{736FAB95-9A29-4F94-A2C1-9C08D0A166AD}"/>
+              </a:ext>
+            </a:extLst>
+          </p:cNvPr>
+          <p:cNvCxnSpPr>
+            <a:cxnSpLocks/>
+          </p:cNvCxnSpPr>
+          <p:nvPr/>
+        </p:nvCxnSpPr>
+        <p:spPr>
+          <a:xfrm>
+            <a:off x="7938580" y="5737550"/>
+            <a:ext cx="3919298" cy="0"/>
+          </a:xfrm>
+          <a:prstGeom prst="straightConnector1">
+            <a:avLst/>
+          </a:prstGeom>
+          <a:ln>
+            <a:solidFill>
+              <a:schemeClr val="tx1"/>
+            </a:solidFill>
+            <a:tailEnd type="triangle"/>
+          </a:ln>
+        </p:spPr>
+        <p:style>
+          <a:lnRef idx="1">
+            <a:schemeClr val="accent1"/>
+          </a:lnRef>
+          <a:fillRef idx="0">
+            <a:schemeClr val="accent1"/>
+          </a:fillRef>
+          <a:effectRef idx="0">
+            <a:schemeClr val="accent1"/>
+          </a:effectRef>
+          <a:fontRef idx="minor">
+            <a:schemeClr val="tx1"/>
+          </a:fontRef>
+        </p:style>
+      </p:cxnSp>
+      <p:sp>
+        <p:nvSpPr>
+          <p:cNvPr id="69" name="正方形/長方形 68">
+            <a:extLst>
+              <a:ext uri="{FF2B5EF4-FFF2-40B4-BE49-F238E27FC236}">
+                <a16:creationId xmlns:a16="http://schemas.microsoft.com/office/drawing/2014/main" id="{59BE8F76-7994-473B-8FE1-94921C3D411B}"/>
+              </a:ext>
+            </a:extLst>
+          </p:cNvPr>
+          <p:cNvSpPr/>
+          <p:nvPr/>
+        </p:nvSpPr>
+        <p:spPr>
+          <a:xfrm>
+            <a:off x="8104700" y="5060744"/>
+            <a:ext cx="3584528" cy="1364258"/>
+          </a:xfrm>
+          <a:prstGeom prst="rect">
+            <a:avLst/>
+          </a:prstGeom>
+          <a:solidFill>
+            <a:schemeClr val="bg1"/>
+          </a:solidFill>
+          <a:ln>
+            <a:solidFill>
+              <a:schemeClr val="tx1"/>
+            </a:solidFill>
+          </a:ln>
+        </p:spPr>
+        <p:style>
+          <a:lnRef idx="2">
+            <a:schemeClr val="accent1">
+              <a:shade val="50000"/>
+            </a:schemeClr>
+          </a:lnRef>
+          <a:fillRef idx="1">
+            <a:schemeClr val="accent1"/>
+          </a:fillRef>
+          <a:effectRef idx="0">
+            <a:schemeClr val="accent1"/>
+          </a:effectRef>
+          <a:fontRef idx="minor">
+            <a:schemeClr val="lt1"/>
+          </a:fontRef>
+        </p:style>
+        <p:txBody>
+          <a:bodyPr rtlCol="0" anchor="ctr"/>
+          <a:lstStyle/>
+          <a:p>
+            <a:r>
+              <a:rPr kumimoji="1" lang="en-US" altLang="ja-JP" sz="1000" dirty="0">
+                <a:solidFill>
+                  <a:sysClr val="windowText" lastClr="000000"/>
+                </a:solidFill>
+              </a:rPr>
+              <a:t>remote_addr: 172.22.0.3" "</a:t>
+            </a:r>
+          </a:p>
+          <a:p>
+            <a:r>
+              <a:rPr kumimoji="1" lang="en-US" altLang="ja-JP" sz="1000" dirty="0">
+                <a:solidFill>
+                  <a:sysClr val="windowText" lastClr="000000"/>
+                </a:solidFill>
+              </a:rPr>
+              <a:t>#request: GET /</a:t>
+            </a:r>
+            <a:r>
+              <a:rPr kumimoji="1" lang="en-US" altLang="ja-JP" sz="1000" dirty="0" err="1">
+                <a:solidFill>
+                  <a:sysClr val="windowText" lastClr="000000"/>
+                </a:solidFill>
+              </a:rPr>
+              <a:t>redirect_result</a:t>
+            </a:r>
+            <a:r>
+              <a:rPr kumimoji="1" lang="en-US" altLang="ja-JP" sz="1000" dirty="0">
+                <a:solidFill>
+                  <a:sysClr val="windowText" lastClr="000000"/>
+                </a:solidFill>
+              </a:rPr>
+              <a:t> HTTP/1.0" "</a:t>
+            </a:r>
+          </a:p>
+          <a:p>
+            <a:r>
+              <a:rPr kumimoji="1" lang="en-US" altLang="ja-JP" sz="1000" dirty="0">
+                <a:solidFill>
+                  <a:sysClr val="windowText" lastClr="000000"/>
+                </a:solidFill>
+              </a:rPr>
+              <a:t>status: 200" "</a:t>
+            </a:r>
+          </a:p>
+          <a:p>
+            <a:r>
+              <a:rPr kumimoji="1" lang="en-US" altLang="ja-JP" sz="1000" dirty="0">
+                <a:solidFill>
+                  <a:sysClr val="windowText" lastClr="000000"/>
+                </a:solidFill>
+              </a:rPr>
+              <a:t>host: test-flask.fmitty.net" "</a:t>
+            </a:r>
+          </a:p>
+          <a:p>
+            <a:r>
+              <a:rPr kumimoji="1" lang="en-US" altLang="ja-JP" sz="1000" dirty="0" err="1">
+                <a:solidFill>
+                  <a:sysClr val="windowText" lastClr="000000"/>
+                </a:solidFill>
+              </a:rPr>
+              <a:t>referer</a:t>
+            </a:r>
+            <a:r>
+              <a:rPr kumimoji="1" lang="en-US" altLang="ja-JP" sz="1000" dirty="0">
+                <a:solidFill>
+                  <a:sysClr val="windowText" lastClr="000000"/>
+                </a:solidFill>
+              </a:rPr>
+              <a:t>: http://test-flask.fmitty.net/" "</a:t>
+            </a:r>
+          </a:p>
+          <a:p>
+            <a:r>
+              <a:rPr kumimoji="1" lang="en-US" altLang="ja-JP" sz="1000" dirty="0">
+                <a:solidFill>
+                  <a:sysClr val="windowText" lastClr="000000"/>
+                </a:solidFill>
+              </a:rPr>
+              <a:t>location: -</a:t>
+            </a:r>
+            <a:endParaRPr kumimoji="1" lang="ja-JP" altLang="en-US" sz="1000" dirty="0">
+              <a:solidFill>
+                <a:sysClr val="windowText" lastClr="000000"/>
+              </a:solidFill>
+            </a:endParaRPr>
+          </a:p>
+        </p:txBody>
+      </p:sp>
+    </p:spTree>
+    <p:extLst>
+      <p:ext uri="{BB962C8B-B14F-4D97-AF65-F5344CB8AC3E}">
+        <p14:creationId xmlns:p14="http://schemas.microsoft.com/office/powerpoint/2010/main" val="1424377776"/>
+      </p:ext>
+    </p:extLst>
+  </p:cSld>
+  <p:clrMapOvr>
+    <a:masterClrMapping/>
+  </p:clrMapOvr>
+</p:sld>
+</file>
+
 <file path=ppt/theme/theme1.xml><?xml version="1.0" encoding="utf-8"?>
 <a:theme xmlns:a="http://schemas.openxmlformats.org/drawingml/2006/main" name="Office テーマ">
   <a:themeElements>
